--- a/Portfolios/Model.pptx
+++ b/Portfolios/Model.pptx
@@ -7,12 +7,14 @@
   <p:sldIdLst>
     <p:sldId id="256" r:id="rId2"/>
     <p:sldId id="257" r:id="rId3"/>
-    <p:sldId id="258" r:id="rId4"/>
-    <p:sldId id="259" r:id="rId5"/>
+    <p:sldId id="259" r:id="rId4"/>
+    <p:sldId id="258" r:id="rId5"/>
     <p:sldId id="260" r:id="rId6"/>
     <p:sldId id="261" r:id="rId7"/>
     <p:sldId id="262" r:id="rId8"/>
     <p:sldId id="263" r:id="rId9"/>
+    <p:sldId id="264" r:id="rId10"/>
+    <p:sldId id="265" r:id="rId11"/>
   </p:sldIdLst>
   <p:sldSz cx="6858000" cy="12192000"/>
   <p:notesSz cx="6858000" cy="9144000"/>
@@ -250,7 +252,7 @@
           <a:p>
             <a:fld id="{F038905A-A195-4ADC-82F2-221266238100}" type="datetimeFigureOut">
               <a:rPr lang="en-IN" smtClean="0"/>
-              <a:t>19-02-2024</a:t>
+              <a:t>23-02-2024</a:t>
             </a:fld>
             <a:endParaRPr lang="en-IN"/>
           </a:p>
@@ -420,7 +422,7 @@
           <a:p>
             <a:fld id="{F038905A-A195-4ADC-82F2-221266238100}" type="datetimeFigureOut">
               <a:rPr lang="en-IN" smtClean="0"/>
-              <a:t>19-02-2024</a:t>
+              <a:t>23-02-2024</a:t>
             </a:fld>
             <a:endParaRPr lang="en-IN"/>
           </a:p>
@@ -600,7 +602,7 @@
           <a:p>
             <a:fld id="{F038905A-A195-4ADC-82F2-221266238100}" type="datetimeFigureOut">
               <a:rPr lang="en-IN" smtClean="0"/>
-              <a:t>19-02-2024</a:t>
+              <a:t>23-02-2024</a:t>
             </a:fld>
             <a:endParaRPr lang="en-IN"/>
           </a:p>
@@ -770,7 +772,7 @@
           <a:p>
             <a:fld id="{F038905A-A195-4ADC-82F2-221266238100}" type="datetimeFigureOut">
               <a:rPr lang="en-IN" smtClean="0"/>
-              <a:t>19-02-2024</a:t>
+              <a:t>23-02-2024</a:t>
             </a:fld>
             <a:endParaRPr lang="en-IN"/>
           </a:p>
@@ -1014,7 +1016,7 @@
           <a:p>
             <a:fld id="{F038905A-A195-4ADC-82F2-221266238100}" type="datetimeFigureOut">
               <a:rPr lang="en-IN" smtClean="0"/>
-              <a:t>19-02-2024</a:t>
+              <a:t>23-02-2024</a:t>
             </a:fld>
             <a:endParaRPr lang="en-IN"/>
           </a:p>
@@ -1246,7 +1248,7 @@
           <a:p>
             <a:fld id="{F038905A-A195-4ADC-82F2-221266238100}" type="datetimeFigureOut">
               <a:rPr lang="en-IN" smtClean="0"/>
-              <a:t>19-02-2024</a:t>
+              <a:t>23-02-2024</a:t>
             </a:fld>
             <a:endParaRPr lang="en-IN"/>
           </a:p>
@@ -1613,7 +1615,7 @@
           <a:p>
             <a:fld id="{F038905A-A195-4ADC-82F2-221266238100}" type="datetimeFigureOut">
               <a:rPr lang="en-IN" smtClean="0"/>
-              <a:t>19-02-2024</a:t>
+              <a:t>23-02-2024</a:t>
             </a:fld>
             <a:endParaRPr lang="en-IN"/>
           </a:p>
@@ -1731,7 +1733,7 @@
           <a:p>
             <a:fld id="{F038905A-A195-4ADC-82F2-221266238100}" type="datetimeFigureOut">
               <a:rPr lang="en-IN" smtClean="0"/>
-              <a:t>19-02-2024</a:t>
+              <a:t>23-02-2024</a:t>
             </a:fld>
             <a:endParaRPr lang="en-IN"/>
           </a:p>
@@ -1826,7 +1828,7 @@
           <a:p>
             <a:fld id="{F038905A-A195-4ADC-82F2-221266238100}" type="datetimeFigureOut">
               <a:rPr lang="en-IN" smtClean="0"/>
-              <a:t>19-02-2024</a:t>
+              <a:t>23-02-2024</a:t>
             </a:fld>
             <a:endParaRPr lang="en-IN"/>
           </a:p>
@@ -2103,7 +2105,7 @@
           <a:p>
             <a:fld id="{F038905A-A195-4ADC-82F2-221266238100}" type="datetimeFigureOut">
               <a:rPr lang="en-IN" smtClean="0"/>
-              <a:t>19-02-2024</a:t>
+              <a:t>23-02-2024</a:t>
             </a:fld>
             <a:endParaRPr lang="en-IN"/>
           </a:p>
@@ -2360,7 +2362,7 @@
           <a:p>
             <a:fld id="{F038905A-A195-4ADC-82F2-221266238100}" type="datetimeFigureOut">
               <a:rPr lang="en-IN" smtClean="0"/>
-              <a:t>19-02-2024</a:t>
+              <a:t>23-02-2024</a:t>
             </a:fld>
             <a:endParaRPr lang="en-IN"/>
           </a:p>
@@ -2573,7 +2575,7 @@
           <a:p>
             <a:fld id="{F038905A-A195-4ADC-82F2-221266238100}" type="datetimeFigureOut">
               <a:rPr lang="en-IN" smtClean="0"/>
-              <a:t>19-02-2024</a:t>
+              <a:t>23-02-2024</a:t>
             </a:fld>
             <a:endParaRPr lang="en-IN"/>
           </a:p>
@@ -3378,6 +3380,181 @@
 </p:sld>
 </file>
 
+<file path=ppt/slides/slide10.xml><?xml version="1.0" encoding="utf-8"?>
+<p:sld xmlns:a="http://schemas.openxmlformats.org/drawingml/2006/main" xmlns:r="http://schemas.openxmlformats.org/officeDocument/2006/relationships" xmlns:p="http://schemas.openxmlformats.org/presentationml/2006/main">
+  <p:cSld>
+    <p:spTree>
+      <p:nvGrpSpPr>
+        <p:cNvPr id="1" name=""/>
+        <p:cNvGrpSpPr/>
+        <p:nvPr/>
+      </p:nvGrpSpPr>
+      <p:grpSpPr>
+        <a:xfrm>
+          <a:off x="0" y="0"/>
+          <a:ext cx="0" cy="0"/>
+          <a:chOff x="0" y="0"/>
+          <a:chExt cx="0" cy="0"/>
+        </a:xfrm>
+      </p:grpSpPr>
+      <p:sp>
+        <p:nvSpPr>
+          <p:cNvPr id="2" name="Title 1">
+            <a:extLst>
+              <a:ext uri="{FF2B5EF4-FFF2-40B4-BE49-F238E27FC236}">
+                <a16:creationId xmlns:a16="http://schemas.microsoft.com/office/drawing/2014/main" id="{99B538BD-7097-F386-8FA6-44C3BFC8FB71}"/>
+              </a:ext>
+            </a:extLst>
+          </p:cNvPr>
+          <p:cNvSpPr>
+            <a:spLocks noGrp="1"/>
+          </p:cNvSpPr>
+          <p:nvPr>
+            <p:ph type="title"/>
+          </p:nvPr>
+        </p:nvSpPr>
+        <p:spPr/>
+        <p:txBody>
+          <a:bodyPr/>
+          <a:lstStyle/>
+          <a:p>
+            <a:endParaRPr lang="en-IN"/>
+          </a:p>
+        </p:txBody>
+      </p:sp>
+      <p:pic>
+        <p:nvPicPr>
+          <p:cNvPr id="7" name="Picture 6">
+            <a:extLst>
+              <a:ext uri="{FF2B5EF4-FFF2-40B4-BE49-F238E27FC236}">
+                <a16:creationId xmlns:a16="http://schemas.microsoft.com/office/drawing/2014/main" id="{3EFE85A0-425D-AEFD-405E-ED60B465560A}"/>
+              </a:ext>
+            </a:extLst>
+          </p:cNvPr>
+          <p:cNvPicPr>
+            <a:picLocks noChangeAspect="1"/>
+          </p:cNvPicPr>
+          <p:nvPr/>
+        </p:nvPicPr>
+        <p:blipFill>
+          <a:blip r:embed="rId2"/>
+          <a:stretch>
+            <a:fillRect/>
+          </a:stretch>
+        </p:blipFill>
+        <p:spPr>
+          <a:xfrm>
+            <a:off x="3573787" y="4198518"/>
+            <a:ext cx="2149026" cy="2255715"/>
+          </a:xfrm>
+          <a:prstGeom prst="rect">
+            <a:avLst/>
+          </a:prstGeom>
+        </p:spPr>
+      </p:pic>
+      <p:pic>
+        <p:nvPicPr>
+          <p:cNvPr id="9" name="Picture 8">
+            <a:extLst>
+              <a:ext uri="{FF2B5EF4-FFF2-40B4-BE49-F238E27FC236}">
+                <a16:creationId xmlns:a16="http://schemas.microsoft.com/office/drawing/2014/main" id="{6A4A6E8C-CBEB-DB0B-D206-A1517EFC861B}"/>
+              </a:ext>
+            </a:extLst>
+          </p:cNvPr>
+          <p:cNvPicPr>
+            <a:picLocks noChangeAspect="1"/>
+          </p:cNvPicPr>
+          <p:nvPr/>
+        </p:nvPicPr>
+        <p:blipFill>
+          <a:blip r:embed="rId3"/>
+          <a:stretch>
+            <a:fillRect/>
+          </a:stretch>
+        </p:blipFill>
+        <p:spPr>
+          <a:xfrm>
+            <a:off x="1279974" y="4206138"/>
+            <a:ext cx="2149026" cy="2248095"/>
+          </a:xfrm>
+          <a:prstGeom prst="rect">
+            <a:avLst/>
+          </a:prstGeom>
+        </p:spPr>
+      </p:pic>
+      <p:pic>
+        <p:nvPicPr>
+          <p:cNvPr id="11" name="Picture 10">
+            <a:extLst>
+              <a:ext uri="{FF2B5EF4-FFF2-40B4-BE49-F238E27FC236}">
+                <a16:creationId xmlns:a16="http://schemas.microsoft.com/office/drawing/2014/main" id="{D659E1AB-132B-D817-DC26-804FDF541A8D}"/>
+              </a:ext>
+            </a:extLst>
+          </p:cNvPr>
+          <p:cNvPicPr>
+            <a:picLocks noChangeAspect="1"/>
+          </p:cNvPicPr>
+          <p:nvPr/>
+        </p:nvPicPr>
+        <p:blipFill>
+          <a:blip r:embed="rId4"/>
+          <a:stretch>
+            <a:fillRect/>
+          </a:stretch>
+        </p:blipFill>
+        <p:spPr>
+          <a:xfrm>
+            <a:off x="1279974" y="6469566"/>
+            <a:ext cx="2225233" cy="2225233"/>
+          </a:xfrm>
+          <a:prstGeom prst="rect">
+            <a:avLst/>
+          </a:prstGeom>
+        </p:spPr>
+      </p:pic>
+      <p:pic>
+        <p:nvPicPr>
+          <p:cNvPr id="13" name="Picture 12">
+            <a:extLst>
+              <a:ext uri="{FF2B5EF4-FFF2-40B4-BE49-F238E27FC236}">
+                <a16:creationId xmlns:a16="http://schemas.microsoft.com/office/drawing/2014/main" id="{3F1E2E7A-72F6-F406-1CCF-4AD69C7EF6D8}"/>
+              </a:ext>
+            </a:extLst>
+          </p:cNvPr>
+          <p:cNvPicPr>
+            <a:picLocks noChangeAspect="1"/>
+          </p:cNvPicPr>
+          <p:nvPr/>
+        </p:nvPicPr>
+        <p:blipFill>
+          <a:blip r:embed="rId5"/>
+          <a:stretch>
+            <a:fillRect/>
+          </a:stretch>
+        </p:blipFill>
+        <p:spPr>
+          <a:xfrm>
+            <a:off x="3611890" y="6523033"/>
+            <a:ext cx="2110923" cy="2248095"/>
+          </a:xfrm>
+          <a:prstGeom prst="rect">
+            <a:avLst/>
+          </a:prstGeom>
+        </p:spPr>
+      </p:pic>
+    </p:spTree>
+    <p:extLst>
+      <p:ext uri="{BB962C8B-B14F-4D97-AF65-F5344CB8AC3E}">
+        <p14:creationId xmlns:p14="http://schemas.microsoft.com/office/powerpoint/2010/main" val="3919289865"/>
+      </p:ext>
+    </p:extLst>
+  </p:cSld>
+  <p:clrMapOvr>
+    <a:masterClrMapping/>
+  </p:clrMapOvr>
+</p:sld>
+</file>
+
 <file path=ppt/slides/slide2.xml><?xml version="1.0" encoding="utf-8"?>
 <p:sld xmlns:a="http://schemas.openxmlformats.org/drawingml/2006/main" xmlns:r="http://schemas.openxmlformats.org/officeDocument/2006/relationships" xmlns:p="http://schemas.openxmlformats.org/presentationml/2006/main">
   <p:cSld>
@@ -3714,6 +3891,429 @@
         <p:cNvPr id="1" name="">
           <a:extLst>
             <a:ext uri="{FF2B5EF4-FFF2-40B4-BE49-F238E27FC236}">
+              <a16:creationId xmlns:a16="http://schemas.microsoft.com/office/drawing/2014/main" id="{7E8ECE4D-633F-4A94-1D53-FF4C32A1AF64}"/>
+            </a:ext>
+          </a:extLst>
+        </p:cNvPr>
+        <p:cNvGrpSpPr/>
+        <p:nvPr/>
+      </p:nvGrpSpPr>
+      <p:grpSpPr>
+        <a:xfrm>
+          <a:off x="0" y="0"/>
+          <a:ext cx="0" cy="0"/>
+          <a:chOff x="0" y="0"/>
+          <a:chExt cx="0" cy="0"/>
+        </a:xfrm>
+      </p:grpSpPr>
+      <p:sp>
+        <p:nvSpPr>
+          <p:cNvPr id="4" name="Rectangle 3">
+            <a:extLst>
+              <a:ext uri="{FF2B5EF4-FFF2-40B4-BE49-F238E27FC236}">
+                <a16:creationId xmlns:a16="http://schemas.microsoft.com/office/drawing/2014/main" id="{44BD99DC-212E-954E-C3DA-5D7CBE6C68BB}"/>
+              </a:ext>
+            </a:extLst>
+          </p:cNvPr>
+          <p:cNvSpPr/>
+          <p:nvPr/>
+        </p:nvSpPr>
+        <p:spPr>
+          <a:xfrm>
+            <a:off x="0" y="0"/>
+            <a:ext cx="6858000" cy="1482572"/>
+          </a:xfrm>
+          <a:prstGeom prst="rect">
+            <a:avLst/>
+          </a:prstGeom>
+          <a:solidFill>
+            <a:srgbClr val="FA1F0E"/>
+          </a:solidFill>
+        </p:spPr>
+        <p:style>
+          <a:lnRef idx="2">
+            <a:schemeClr val="accent1">
+              <a:shade val="15000"/>
+            </a:schemeClr>
+          </a:lnRef>
+          <a:fillRef idx="1">
+            <a:schemeClr val="accent1"/>
+          </a:fillRef>
+          <a:effectRef idx="0">
+            <a:schemeClr val="accent1"/>
+          </a:effectRef>
+          <a:fontRef idx="minor">
+            <a:schemeClr val="lt1"/>
+          </a:fontRef>
+        </p:style>
+        <p:txBody>
+          <a:bodyPr rtlCol="0" anchor="ctr"/>
+          <a:lstStyle/>
+          <a:p>
+            <a:pPr algn="ctr"/>
+            <a:r>
+              <a:rPr lang="en-IN" dirty="0" err="1">
+                <a:latin typeface="Times New Roman" panose="02020603050405020304" pitchFamily="18" charset="0"/>
+                <a:cs typeface="Times New Roman" panose="02020603050405020304" pitchFamily="18" charset="0"/>
+              </a:rPr>
+              <a:t>Buisness</a:t>
+            </a:r>
+            <a:r>
+              <a:rPr lang="en-IN" dirty="0">
+                <a:latin typeface="Times New Roman" panose="02020603050405020304" pitchFamily="18" charset="0"/>
+                <a:cs typeface="Times New Roman" panose="02020603050405020304" pitchFamily="18" charset="0"/>
+              </a:rPr>
+              <a:t> Simulation - </a:t>
+            </a:r>
+          </a:p>
+          <a:p>
+            <a:pPr algn="ctr"/>
+            <a:r>
+              <a:rPr lang="en-IN" dirty="0">
+                <a:latin typeface="Times New Roman" panose="02020603050405020304" pitchFamily="18" charset="0"/>
+                <a:cs typeface="Times New Roman" panose="02020603050405020304" pitchFamily="18" charset="0"/>
+              </a:rPr>
+              <a:t>Mobility as a Service</a:t>
+            </a:r>
+          </a:p>
+        </p:txBody>
+      </p:sp>
+      <p:sp>
+        <p:nvSpPr>
+          <p:cNvPr id="5" name="Rectangle 4">
+            <a:extLst>
+              <a:ext uri="{FF2B5EF4-FFF2-40B4-BE49-F238E27FC236}">
+                <a16:creationId xmlns:a16="http://schemas.microsoft.com/office/drawing/2014/main" id="{0B1B1997-824C-7D12-A8D0-1572DBDE2C11}"/>
+              </a:ext>
+            </a:extLst>
+          </p:cNvPr>
+          <p:cNvSpPr/>
+          <p:nvPr/>
+        </p:nvSpPr>
+        <p:spPr>
+          <a:xfrm>
+            <a:off x="0" y="1482572"/>
+            <a:ext cx="6858000" cy="366548"/>
+          </a:xfrm>
+          <a:prstGeom prst="rect">
+            <a:avLst/>
+          </a:prstGeom>
+          <a:solidFill>
+            <a:schemeClr val="bg1"/>
+          </a:solidFill>
+          <a:ln>
+            <a:noFill/>
+          </a:ln>
+        </p:spPr>
+        <p:style>
+          <a:lnRef idx="2">
+            <a:schemeClr val="accent1">
+              <a:shade val="15000"/>
+            </a:schemeClr>
+          </a:lnRef>
+          <a:fillRef idx="1">
+            <a:schemeClr val="accent1"/>
+          </a:fillRef>
+          <a:effectRef idx="0">
+            <a:schemeClr val="accent1"/>
+          </a:effectRef>
+          <a:fontRef idx="minor">
+            <a:schemeClr val="lt1"/>
+          </a:fontRef>
+        </p:style>
+        <p:txBody>
+          <a:bodyPr rtlCol="0" anchor="ctr"/>
+          <a:lstStyle/>
+          <a:p>
+            <a:pPr algn="ctr"/>
+            <a:endParaRPr lang="en-IN"/>
+          </a:p>
+        </p:txBody>
+      </p:sp>
+      <p:pic>
+        <p:nvPicPr>
+          <p:cNvPr id="7" name="Picture 6">
+            <a:extLst>
+              <a:ext uri="{FF2B5EF4-FFF2-40B4-BE49-F238E27FC236}">
+                <a16:creationId xmlns:a16="http://schemas.microsoft.com/office/drawing/2014/main" id="{3E2E435C-31A0-472F-8FDB-57011F0605F3}"/>
+              </a:ext>
+            </a:extLst>
+          </p:cNvPr>
+          <p:cNvPicPr>
+            <a:picLocks noChangeAspect="1"/>
+          </p:cNvPicPr>
+          <p:nvPr/>
+        </p:nvPicPr>
+        <p:blipFill>
+          <a:blip r:embed="rId2">
+            <a:extLst>
+              <a:ext uri="{28A0092B-C50C-407E-A947-70E740481C1C}">
+                <a14:useLocalDpi xmlns:a14="http://schemas.microsoft.com/office/drawing/2010/main" val="0"/>
+              </a:ext>
+            </a:extLst>
+          </a:blip>
+          <a:stretch>
+            <a:fillRect/>
+          </a:stretch>
+        </p:blipFill>
+        <p:spPr>
+          <a:xfrm>
+            <a:off x="5496472" y="151612"/>
+            <a:ext cx="1254848" cy="1011708"/>
+          </a:xfrm>
+          <a:prstGeom prst="rect">
+            <a:avLst/>
+          </a:prstGeom>
+        </p:spPr>
+      </p:pic>
+      <p:sp>
+        <p:nvSpPr>
+          <p:cNvPr id="2" name="TextBox 1">
+            <a:extLst>
+              <a:ext uri="{FF2B5EF4-FFF2-40B4-BE49-F238E27FC236}">
+                <a16:creationId xmlns:a16="http://schemas.microsoft.com/office/drawing/2014/main" id="{88D39AD4-12C2-E24F-3960-575F4F780D18}"/>
+              </a:ext>
+            </a:extLst>
+          </p:cNvPr>
+          <p:cNvSpPr txBox="1"/>
+          <p:nvPr/>
+        </p:nvSpPr>
+        <p:spPr>
+          <a:xfrm>
+            <a:off x="536448" y="2318813"/>
+            <a:ext cx="5693664" cy="7294305"/>
+          </a:xfrm>
+          <a:prstGeom prst="rect">
+            <a:avLst/>
+          </a:prstGeom>
+          <a:noFill/>
+        </p:spPr>
+        <p:txBody>
+          <a:bodyPr wrap="square" rtlCol="0">
+            <a:spAutoFit/>
+          </a:bodyPr>
+          <a:lstStyle/>
+          <a:p>
+            <a:r>
+              <a:rPr lang="en-US" sz="1200" dirty="0"/>
+              <a:t>Overview:</a:t>
+            </a:r>
+          </a:p>
+          <a:p>
+            <a:r>
+              <a:rPr lang="en-US" sz="1200" dirty="0"/>
+              <a:t>Our simulation software replicates the business model of "</a:t>
+            </a:r>
+            <a:r>
+              <a:rPr lang="en-US" sz="1200" dirty="0" err="1"/>
+              <a:t>Vaegan</a:t>
+            </a:r>
+            <a:r>
+              <a:rPr lang="en-US" sz="1200" dirty="0"/>
+              <a:t>," a Mobility as a Service (</a:t>
+            </a:r>
+            <a:r>
+              <a:rPr lang="en-US" sz="1200" dirty="0" err="1"/>
+              <a:t>MaaS</a:t>
+            </a:r>
+            <a:r>
+              <a:rPr lang="en-US" sz="1200" dirty="0"/>
+              <a:t>) startup located in Tamil Nadu, India. </a:t>
+            </a:r>
+            <a:r>
+              <a:rPr lang="en-US" sz="1200" dirty="0" err="1"/>
+              <a:t>Vaegan</a:t>
+            </a:r>
+            <a:r>
+              <a:rPr lang="en-US" sz="1200" dirty="0"/>
+              <a:t> specializes in providing rental electric scooters for public commutation, operating renting stations strategically positioned throughout the city. Our simulator accurately models the dynamics of </a:t>
+            </a:r>
+            <a:r>
+              <a:rPr lang="en-US" sz="1200" dirty="0" err="1"/>
+              <a:t>Vaegan's</a:t>
+            </a:r>
+            <a:r>
+              <a:rPr lang="en-US" sz="1200" dirty="0"/>
+              <a:t> business over a specified time period, allowing for insightful observations regarding its operational and financial performance.</a:t>
+            </a:r>
+          </a:p>
+          <a:p>
+            <a:r>
+              <a:rPr lang="en-IN" sz="1200" dirty="0" err="1"/>
+              <a:t>Buisness</a:t>
+            </a:r>
+            <a:r>
+              <a:rPr lang="en-IN" sz="1200" dirty="0"/>
+              <a:t> Idea</a:t>
+            </a:r>
+          </a:p>
+          <a:p>
+            <a:r>
+              <a:rPr lang="en-US" sz="1200" b="0" i="0" dirty="0">
+                <a:solidFill>
+                  <a:srgbClr val="0D0D0D"/>
+                </a:solidFill>
+                <a:effectLst/>
+                <a:latin typeface="Söhne"/>
+              </a:rPr>
+              <a:t>The company operates a fleet of electric scooters stationed at multiple locations throughout Coimbatore, India. Customers have the flexibility to rent scooters from any station and drop them off at a station near their desired destination. To maintain uninterrupted service, a dedicated team of drivers, known as Wingmen, manages vehicle distribution between stations based on demand and vehicle availability.</a:t>
+            </a:r>
+          </a:p>
+          <a:p>
+            <a:endParaRPr lang="en-IN" sz="1200" dirty="0"/>
+          </a:p>
+          <a:p>
+            <a:r>
+              <a:rPr lang="en-IN" sz="1200" dirty="0"/>
+              <a:t>Simulator </a:t>
+            </a:r>
+          </a:p>
+          <a:p>
+            <a:r>
+              <a:rPr lang="en-US" sz="1200" b="0" i="0" dirty="0">
+                <a:solidFill>
+                  <a:srgbClr val="0D0D0D"/>
+                </a:solidFill>
+                <a:effectLst/>
+                <a:latin typeface="Söhne"/>
+              </a:rPr>
+              <a:t>The simulator serves as a tool to monitor and optimize the vehicle shuffling process conducted by the Wingmen, aiming to minimize effort while maximizing service availability. It also tracks costs associated with the scooters and operational expenses, including scooter charging times, overall expenditure, and income for the entire business. To ensure accuracy, the simulation integrates real-time data from reliable sources such as distances and travel times between stations, service traffic power consumption by the vehicles, and station locations.</a:t>
+            </a:r>
+          </a:p>
+          <a:p>
+            <a:endParaRPr lang="en-IN" sz="1200" dirty="0"/>
+          </a:p>
+          <a:p>
+            <a:r>
+              <a:rPr lang="en-IN" sz="1200" dirty="0"/>
+              <a:t>Purpose</a:t>
+            </a:r>
+          </a:p>
+          <a:p>
+            <a:pPr algn="l"/>
+            <a:r>
+              <a:rPr lang="en-US" sz="1200" b="0" i="0" dirty="0">
+                <a:solidFill>
+                  <a:srgbClr val="0D0D0D"/>
+                </a:solidFill>
+                <a:effectLst/>
+                <a:latin typeface="Söhne"/>
+              </a:rPr>
+              <a:t>The simulator is utilized to optimize the operations of the Wingman team, ensuring efficient reshuffling of scooters.</a:t>
+            </a:r>
+          </a:p>
+          <a:p>
+            <a:pPr algn="l"/>
+            <a:r>
+              <a:rPr lang="en-US" sz="1200" b="0" i="0" dirty="0">
+                <a:solidFill>
+                  <a:srgbClr val="0D0D0D"/>
+                </a:solidFill>
+                <a:effectLst/>
+                <a:latin typeface="Söhne"/>
+              </a:rPr>
+              <a:t>It identifies excess expenditures associated with the business, aiding in cost reduction strategies.</a:t>
+            </a:r>
+          </a:p>
+          <a:p>
+            <a:pPr algn="l"/>
+            <a:r>
+              <a:rPr lang="en-US" sz="1200" b="0" i="0" dirty="0">
+                <a:solidFill>
+                  <a:srgbClr val="0D0D0D"/>
+                </a:solidFill>
+                <a:effectLst/>
+                <a:latin typeface="Söhne"/>
+              </a:rPr>
+              <a:t>The simulator determines optimal station locations and the required number of vehicles for each station. This minimizes scooter idle time and ensures service availability.</a:t>
+            </a:r>
+          </a:p>
+          <a:p>
+            <a:endParaRPr lang="en-US" sz="1200" dirty="0"/>
+          </a:p>
+          <a:p>
+            <a:endParaRPr lang="en-US" sz="1200" dirty="0"/>
+          </a:p>
+          <a:p>
+            <a:r>
+              <a:rPr lang="en-US" sz="1200" dirty="0"/>
+              <a:t>Skills Learned</a:t>
+            </a:r>
+          </a:p>
+          <a:p>
+            <a:r>
+              <a:rPr lang="en-US" sz="1200" dirty="0"/>
+              <a:t>1. Business Intelligence (Data Analysis, Data Visualization, Business Acumen)</a:t>
+            </a:r>
+          </a:p>
+          <a:p>
+            <a:r>
+              <a:rPr lang="en-US" sz="1200" dirty="0"/>
+              <a:t>2. Python programming (OOPS, Matplotlib, </a:t>
+            </a:r>
+            <a:r>
+              <a:rPr lang="en-US" sz="1200" dirty="0" err="1"/>
+              <a:t>Numpy</a:t>
+            </a:r>
+            <a:r>
+              <a:rPr lang="en-US" sz="1200" dirty="0"/>
+              <a:t>)</a:t>
+            </a:r>
+          </a:p>
+          <a:p>
+            <a:r>
+              <a:rPr lang="en-US" sz="1200" dirty="0"/>
+              <a:t>3. Google Maps API (distance matrix, travel time)</a:t>
+            </a:r>
+          </a:p>
+          <a:p>
+            <a:r>
+              <a:rPr lang="en-US" sz="1200" dirty="0"/>
+              <a:t>4. Strategy (Location Planning, </a:t>
+            </a:r>
+            <a:r>
+              <a:rPr lang="en-US" sz="1200"/>
+              <a:t>Traffic Regulation)</a:t>
+            </a:r>
+            <a:endParaRPr lang="en-US" sz="1200" dirty="0"/>
+          </a:p>
+          <a:p>
+            <a:br>
+              <a:rPr lang="en-US" sz="1200" dirty="0"/>
+            </a:br>
+            <a:endParaRPr lang="en-IN" sz="1200" dirty="0"/>
+          </a:p>
+        </p:txBody>
+      </p:sp>
+    </p:spTree>
+    <p:extLst>
+      <p:ext uri="{BB962C8B-B14F-4D97-AF65-F5344CB8AC3E}">
+        <p14:creationId xmlns:p14="http://schemas.microsoft.com/office/powerpoint/2010/main" val="4017477059"/>
+      </p:ext>
+    </p:extLst>
+  </p:cSld>
+  <p:clrMapOvr>
+    <a:masterClrMapping/>
+  </p:clrMapOvr>
+</p:sld>
+</file>
+
+<file path=ppt/slides/slide4.xml><?xml version="1.0" encoding="utf-8"?>
+<p:sld xmlns:a="http://schemas.openxmlformats.org/drawingml/2006/main" xmlns:r="http://schemas.openxmlformats.org/officeDocument/2006/relationships" xmlns:p="http://schemas.openxmlformats.org/presentationml/2006/main">
+  <p:cSld>
+    <p:bg>
+      <p:bgPr>
+        <a:solidFill>
+          <a:srgbClr val="FFC000"/>
+        </a:solidFill>
+        <a:effectLst/>
+      </p:bgPr>
+    </p:bg>
+    <p:spTree>
+      <p:nvGrpSpPr>
+        <p:cNvPr id="1" name="">
+          <a:extLst>
+            <a:ext uri="{FF2B5EF4-FFF2-40B4-BE49-F238E27FC236}">
               <a16:creationId xmlns:a16="http://schemas.microsoft.com/office/drawing/2014/main" id="{A03F293E-9D0B-82FF-94FC-AE759B828F21}"/>
             </a:ext>
           </a:extLst>
@@ -4034,334 +4634,6 @@
     <p:extLst>
       <p:ext uri="{BB962C8B-B14F-4D97-AF65-F5344CB8AC3E}">
         <p14:creationId xmlns:p14="http://schemas.microsoft.com/office/powerpoint/2010/main" val="3286189969"/>
-      </p:ext>
-    </p:extLst>
-  </p:cSld>
-  <p:clrMapOvr>
-    <a:masterClrMapping/>
-  </p:clrMapOvr>
-</p:sld>
-</file>
-
-<file path=ppt/slides/slide4.xml><?xml version="1.0" encoding="utf-8"?>
-<p:sld xmlns:a="http://schemas.openxmlformats.org/drawingml/2006/main" xmlns:r="http://schemas.openxmlformats.org/officeDocument/2006/relationships" xmlns:p="http://schemas.openxmlformats.org/presentationml/2006/main">
-  <p:cSld>
-    <p:bg>
-      <p:bgPr>
-        <a:solidFill>
-          <a:srgbClr val="FFC000"/>
-        </a:solidFill>
-        <a:effectLst/>
-      </p:bgPr>
-    </p:bg>
-    <p:spTree>
-      <p:nvGrpSpPr>
-        <p:cNvPr id="1" name="">
-          <a:extLst>
-            <a:ext uri="{FF2B5EF4-FFF2-40B4-BE49-F238E27FC236}">
-              <a16:creationId xmlns:a16="http://schemas.microsoft.com/office/drawing/2014/main" id="{7E8ECE4D-633F-4A94-1D53-FF4C32A1AF64}"/>
-            </a:ext>
-          </a:extLst>
-        </p:cNvPr>
-        <p:cNvGrpSpPr/>
-        <p:nvPr/>
-      </p:nvGrpSpPr>
-      <p:grpSpPr>
-        <a:xfrm>
-          <a:off x="0" y="0"/>
-          <a:ext cx="0" cy="0"/>
-          <a:chOff x="0" y="0"/>
-          <a:chExt cx="0" cy="0"/>
-        </a:xfrm>
-      </p:grpSpPr>
-      <p:sp>
-        <p:nvSpPr>
-          <p:cNvPr id="4" name="Rectangle 3">
-            <a:extLst>
-              <a:ext uri="{FF2B5EF4-FFF2-40B4-BE49-F238E27FC236}">
-                <a16:creationId xmlns:a16="http://schemas.microsoft.com/office/drawing/2014/main" id="{44BD99DC-212E-954E-C3DA-5D7CBE6C68BB}"/>
-              </a:ext>
-            </a:extLst>
-          </p:cNvPr>
-          <p:cNvSpPr/>
-          <p:nvPr/>
-        </p:nvSpPr>
-        <p:spPr>
-          <a:xfrm>
-            <a:off x="0" y="0"/>
-            <a:ext cx="6858000" cy="1482572"/>
-          </a:xfrm>
-          <a:prstGeom prst="rect">
-            <a:avLst/>
-          </a:prstGeom>
-          <a:solidFill>
-            <a:srgbClr val="FA1F0E"/>
-          </a:solidFill>
-        </p:spPr>
-        <p:style>
-          <a:lnRef idx="2">
-            <a:schemeClr val="accent1">
-              <a:shade val="15000"/>
-            </a:schemeClr>
-          </a:lnRef>
-          <a:fillRef idx="1">
-            <a:schemeClr val="accent1"/>
-          </a:fillRef>
-          <a:effectRef idx="0">
-            <a:schemeClr val="accent1"/>
-          </a:effectRef>
-          <a:fontRef idx="minor">
-            <a:schemeClr val="lt1"/>
-          </a:fontRef>
-        </p:style>
-        <p:txBody>
-          <a:bodyPr rtlCol="0" anchor="ctr"/>
-          <a:lstStyle/>
-          <a:p>
-            <a:pPr algn="ctr"/>
-            <a:r>
-              <a:rPr lang="en-IN" dirty="0" err="1">
-                <a:latin typeface="Times New Roman" panose="02020603050405020304" pitchFamily="18" charset="0"/>
-                <a:cs typeface="Times New Roman" panose="02020603050405020304" pitchFamily="18" charset="0"/>
-              </a:rPr>
-              <a:t>Buisness</a:t>
-            </a:r>
-            <a:r>
-              <a:rPr lang="en-IN" dirty="0">
-                <a:latin typeface="Times New Roman" panose="02020603050405020304" pitchFamily="18" charset="0"/>
-                <a:cs typeface="Times New Roman" panose="02020603050405020304" pitchFamily="18" charset="0"/>
-              </a:rPr>
-              <a:t> Simulation - </a:t>
-            </a:r>
-          </a:p>
-          <a:p>
-            <a:pPr algn="ctr"/>
-            <a:r>
-              <a:rPr lang="en-IN" dirty="0">
-                <a:latin typeface="Times New Roman" panose="02020603050405020304" pitchFamily="18" charset="0"/>
-                <a:cs typeface="Times New Roman" panose="02020603050405020304" pitchFamily="18" charset="0"/>
-              </a:rPr>
-              <a:t>Mobility as a Service</a:t>
-            </a:r>
-          </a:p>
-        </p:txBody>
-      </p:sp>
-      <p:sp>
-        <p:nvSpPr>
-          <p:cNvPr id="5" name="Rectangle 4">
-            <a:extLst>
-              <a:ext uri="{FF2B5EF4-FFF2-40B4-BE49-F238E27FC236}">
-                <a16:creationId xmlns:a16="http://schemas.microsoft.com/office/drawing/2014/main" id="{0B1B1997-824C-7D12-A8D0-1572DBDE2C11}"/>
-              </a:ext>
-            </a:extLst>
-          </p:cNvPr>
-          <p:cNvSpPr/>
-          <p:nvPr/>
-        </p:nvSpPr>
-        <p:spPr>
-          <a:xfrm>
-            <a:off x="0" y="1482572"/>
-            <a:ext cx="6858000" cy="366548"/>
-          </a:xfrm>
-          <a:prstGeom prst="rect">
-            <a:avLst/>
-          </a:prstGeom>
-          <a:solidFill>
-            <a:schemeClr val="bg1"/>
-          </a:solidFill>
-          <a:ln>
-            <a:noFill/>
-          </a:ln>
-        </p:spPr>
-        <p:style>
-          <a:lnRef idx="2">
-            <a:schemeClr val="accent1">
-              <a:shade val="15000"/>
-            </a:schemeClr>
-          </a:lnRef>
-          <a:fillRef idx="1">
-            <a:schemeClr val="accent1"/>
-          </a:fillRef>
-          <a:effectRef idx="0">
-            <a:schemeClr val="accent1"/>
-          </a:effectRef>
-          <a:fontRef idx="minor">
-            <a:schemeClr val="lt1"/>
-          </a:fontRef>
-        </p:style>
-        <p:txBody>
-          <a:bodyPr rtlCol="0" anchor="ctr"/>
-          <a:lstStyle/>
-          <a:p>
-            <a:pPr algn="ctr"/>
-            <a:endParaRPr lang="en-IN"/>
-          </a:p>
-        </p:txBody>
-      </p:sp>
-      <p:pic>
-        <p:nvPicPr>
-          <p:cNvPr id="7" name="Picture 6">
-            <a:extLst>
-              <a:ext uri="{FF2B5EF4-FFF2-40B4-BE49-F238E27FC236}">
-                <a16:creationId xmlns:a16="http://schemas.microsoft.com/office/drawing/2014/main" id="{3E2E435C-31A0-472F-8FDB-57011F0605F3}"/>
-              </a:ext>
-            </a:extLst>
-          </p:cNvPr>
-          <p:cNvPicPr>
-            <a:picLocks noChangeAspect="1"/>
-          </p:cNvPicPr>
-          <p:nvPr/>
-        </p:nvPicPr>
-        <p:blipFill>
-          <a:blip r:embed="rId2">
-            <a:extLst>
-              <a:ext uri="{28A0092B-C50C-407E-A947-70E740481C1C}">
-                <a14:useLocalDpi xmlns:a14="http://schemas.microsoft.com/office/drawing/2010/main" val="0"/>
-              </a:ext>
-            </a:extLst>
-          </a:blip>
-          <a:stretch>
-            <a:fillRect/>
-          </a:stretch>
-        </p:blipFill>
-        <p:spPr>
-          <a:xfrm>
-            <a:off x="5496472" y="151612"/>
-            <a:ext cx="1254848" cy="1011708"/>
-          </a:xfrm>
-          <a:prstGeom prst="rect">
-            <a:avLst/>
-          </a:prstGeom>
-        </p:spPr>
-      </p:pic>
-      <p:sp>
-        <p:nvSpPr>
-          <p:cNvPr id="2" name="TextBox 1">
-            <a:extLst>
-              <a:ext uri="{FF2B5EF4-FFF2-40B4-BE49-F238E27FC236}">
-                <a16:creationId xmlns:a16="http://schemas.microsoft.com/office/drawing/2014/main" id="{88D39AD4-12C2-E24F-3960-575F4F780D18}"/>
-              </a:ext>
-            </a:extLst>
-          </p:cNvPr>
-          <p:cNvSpPr txBox="1"/>
-          <p:nvPr/>
-        </p:nvSpPr>
-        <p:spPr>
-          <a:xfrm>
-            <a:off x="536448" y="2318813"/>
-            <a:ext cx="5693664" cy="6001643"/>
-          </a:xfrm>
-          <a:prstGeom prst="rect">
-            <a:avLst/>
-          </a:prstGeom>
-          <a:noFill/>
-        </p:spPr>
-        <p:txBody>
-          <a:bodyPr wrap="square" rtlCol="0">
-            <a:spAutoFit/>
-          </a:bodyPr>
-          <a:lstStyle/>
-          <a:p>
-            <a:r>
-              <a:rPr lang="en-IN" sz="1200" dirty="0"/>
-              <a:t>Overview</a:t>
-            </a:r>
-          </a:p>
-          <a:p>
-            <a:r>
-              <a:rPr lang="en-IN" sz="1200" dirty="0"/>
-              <a:t>The simulation software is been developed to replicate the business model of a  Maas (Mobility as a service) startup “</a:t>
-            </a:r>
-            <a:r>
-              <a:rPr lang="en-IN" sz="1200" dirty="0" err="1"/>
-              <a:t>Vaegan</a:t>
-            </a:r>
-            <a:r>
-              <a:rPr lang="en-IN" sz="1200" dirty="0"/>
-              <a:t>” based in Tamilnadu, India. This Company provides rental electric scooters for public commutation with renting stations at various strategic locations scattered around the city. This simulator simulates the dynamics of the business for given time period of time and </a:t>
-            </a:r>
-            <a:r>
-              <a:rPr lang="en-IN" sz="1200" dirty="0" err="1"/>
-              <a:t>infere</a:t>
-            </a:r>
-            <a:r>
-              <a:rPr lang="en-IN" sz="1200" dirty="0"/>
-              <a:t> various observations regarding the working and financial aspects of the business</a:t>
-            </a:r>
-          </a:p>
-          <a:p>
-            <a:endParaRPr lang="en-IN" sz="1200" dirty="0"/>
-          </a:p>
-          <a:p>
-            <a:r>
-              <a:rPr lang="en-IN" sz="1200" dirty="0" err="1"/>
-              <a:t>Buisness</a:t>
-            </a:r>
-            <a:r>
-              <a:rPr lang="en-IN" sz="1200" dirty="0"/>
-              <a:t> Idea</a:t>
-            </a:r>
-          </a:p>
-          <a:p>
-            <a:r>
-              <a:rPr lang="en-IN" sz="1200" dirty="0"/>
-              <a:t>The company owns several electric scooters stationed at various locations of the city (in this case., Coimbatore, India). The customers can rent the scooters at any of the station and drop at any station near to the desired destination. Additionally, a dedicated team of drivers called wingman shuffles the vehicles between the stations depending upon the demand and surplus of vehicle to ensure uninterrupted service.</a:t>
-            </a:r>
-          </a:p>
-          <a:p>
-            <a:endParaRPr lang="en-IN" sz="1200" dirty="0"/>
-          </a:p>
-          <a:p>
-            <a:r>
-              <a:rPr lang="en-IN" sz="1200" dirty="0"/>
-              <a:t>Simulator </a:t>
-            </a:r>
-          </a:p>
-          <a:p>
-            <a:r>
-              <a:rPr lang="en-IN" sz="1200" dirty="0"/>
-              <a:t>The simulator is used to monitor and optimize the shuffling process done by the wingmen to minimize the wingmen effort and maximizing the service availability additionally, it monitors cost associated with the scoters and operational cost such as charging time of the scooters, expenditure and income of the entire business. To make it as accurate as possible,  the simulation takes various real time data from reliable resources such as Distances and travel time between the stations, service traffic power consumed by the vehicle, location of stations… </a:t>
-            </a:r>
-          </a:p>
-          <a:p>
-            <a:endParaRPr lang="en-IN" sz="1200" dirty="0"/>
-          </a:p>
-          <a:p>
-            <a:r>
-              <a:rPr lang="en-IN" sz="1200" dirty="0"/>
-              <a:t>Purpose</a:t>
-            </a:r>
-          </a:p>
-          <a:p>
-            <a:r>
-              <a:rPr lang="en-IN" sz="1200" dirty="0"/>
-              <a:t>This simulate is used to optimize the functions of wingman team for efficient reshuffling of scooters.</a:t>
-            </a:r>
-          </a:p>
-          <a:p>
-            <a:r>
-              <a:rPr lang="en-IN" sz="1200" dirty="0"/>
-              <a:t>It is used to identify the excess expenditure associated with the business </a:t>
-            </a:r>
-          </a:p>
-          <a:p>
-            <a:r>
-              <a:rPr lang="en-IN" sz="1200" dirty="0"/>
-              <a:t>It is used to determine the locations of the stations and no of vehicles required for each stations to reduce the idle time of the scooters and ensuring the availability of service</a:t>
-            </a:r>
-          </a:p>
-          <a:p>
-            <a:endParaRPr lang="en-IN" sz="1200" dirty="0"/>
-          </a:p>
-          <a:p>
-            <a:endParaRPr lang="en-IN" sz="1200" dirty="0"/>
-          </a:p>
-        </p:txBody>
-      </p:sp>
-    </p:spTree>
-    <p:extLst>
-      <p:ext uri="{BB962C8B-B14F-4D97-AF65-F5344CB8AC3E}">
-        <p14:creationId xmlns:p14="http://schemas.microsoft.com/office/powerpoint/2010/main" val="4017477059"/>
       </p:ext>
     </p:extLst>
   </p:cSld>
@@ -4559,8 +4831,8 @@
         </p:nvSpPr>
         <p:spPr>
           <a:xfrm>
-            <a:off x="536448" y="2318813"/>
-            <a:ext cx="5693664" cy="9140964"/>
+            <a:off x="2098548" y="1937813"/>
+            <a:ext cx="5693664" cy="7848302"/>
           </a:xfrm>
           <a:prstGeom prst="rect">
             <a:avLst/>
@@ -4583,16 +4855,97 @@
           </a:p>
           <a:p>
             <a:r>
-              <a:rPr lang="en-IN" sz="1200" dirty="0"/>
-              <a:t>This project has been carried out as the bachelor thesis at Anna University. In this project a eco system of autonomous shuttle service within the university campus has been established. This system encompasses and retrofitted electric scooter and a software for using the service with a hardware setup. Moreover, the vehicle is installed with a sensors and </a:t>
-            </a:r>
-            <a:r>
-              <a:rPr lang="en-IN" sz="1200" dirty="0" err="1"/>
-              <a:t>actuaters</a:t>
-            </a:r>
-            <a:r>
-              <a:rPr lang="en-IN" sz="1200" dirty="0"/>
-              <a:t> to navigate and drive by following a white line laid on the road. This enables the vehicle to move autonomously to the any destination of choice when triggered. </a:t>
+              <a:rPr lang="en-US" sz="1200" dirty="0"/>
+              <a:t>This project, conducted as a bachelor's thesis at Anna University, establishes an ecosystem for an autonomous shuttle service within the university campus. The system comprises a retrofitted electric scooter equipped with sensors and actuators, alongside a software interface for service utilization. The vehicle's hardware setup enables autonomous navigation by following a white line laid on the road. This functionality allows the vehicle to autonomously transport users to their desired destinations upon activation.</a:t>
+            </a:r>
+          </a:p>
+          <a:p>
+            <a:endParaRPr lang="en-US" sz="1200" dirty="0"/>
+          </a:p>
+          <a:p>
+            <a:pPr algn="l"/>
+            <a:r>
+              <a:rPr lang="en-US" sz="1200" b="1" i="0" dirty="0">
+                <a:solidFill>
+                  <a:srgbClr val="0D0D0D"/>
+                </a:solidFill>
+                <a:effectLst/>
+                <a:latin typeface="Söhne"/>
+              </a:rPr>
+              <a:t>Hardware Setup:</a:t>
+            </a:r>
+            <a:endParaRPr lang="en-US" sz="1200" b="0" i="0" dirty="0">
+              <a:solidFill>
+                <a:srgbClr val="0D0D0D"/>
+              </a:solidFill>
+              <a:effectLst/>
+              <a:latin typeface="Söhne"/>
+            </a:endParaRPr>
+          </a:p>
+          <a:p>
+            <a:pPr algn="l"/>
+            <a:r>
+              <a:rPr lang="en-US" sz="1200" b="1" i="0" dirty="0">
+                <a:solidFill>
+                  <a:srgbClr val="0D0D0D"/>
+                </a:solidFill>
+                <a:effectLst/>
+                <a:latin typeface="Söhne"/>
+              </a:rPr>
+              <a:t>Drive System:</a:t>
+            </a:r>
+            <a:r>
+              <a:rPr lang="en-US" sz="1200" b="0" i="0" dirty="0">
+                <a:solidFill>
+                  <a:srgbClr val="0D0D0D"/>
+                </a:solidFill>
+                <a:effectLst/>
+                <a:latin typeface="Söhne"/>
+              </a:rPr>
+              <a:t> The chassis of the TVS </a:t>
+            </a:r>
+            <a:r>
+              <a:rPr lang="en-US" sz="1200" b="0" i="0" dirty="0" err="1">
+                <a:solidFill>
+                  <a:srgbClr val="0D0D0D"/>
+                </a:solidFill>
+                <a:effectLst/>
+                <a:latin typeface="Söhne"/>
+              </a:rPr>
+              <a:t>Scooty</a:t>
+            </a:r>
+            <a:r>
+              <a:rPr lang="en-US" sz="1200" b="0" i="0" dirty="0">
+                <a:solidFill>
+                  <a:srgbClr val="0D0D0D"/>
+                </a:solidFill>
+                <a:effectLst/>
+                <a:latin typeface="Söhne"/>
+              </a:rPr>
+              <a:t> ES serves as the base frame, modified to accommodate the drive system. A Hub motor, powered by Lithium-Ion batteries, is integrated into the design. Custom hardware components are designed and installed to facilitate autonomous driving.</a:t>
+            </a:r>
+          </a:p>
+          <a:p>
+            <a:pPr algn="l"/>
+            <a:r>
+              <a:rPr lang="en-US" sz="1200" b="1" i="0" dirty="0">
+                <a:solidFill>
+                  <a:srgbClr val="0D0D0D"/>
+                </a:solidFill>
+                <a:effectLst/>
+                <a:latin typeface="Söhne"/>
+              </a:rPr>
+              <a:t>Autonomous System: The Line Following System is </a:t>
+            </a:r>
+            <a:r>
+              <a:rPr lang="en-US" sz="1200" b="0" i="0" dirty="0">
+                <a:solidFill>
+                  <a:srgbClr val="0D0D0D"/>
+                </a:solidFill>
+                <a:effectLst/>
+                <a:latin typeface="Söhne"/>
+              </a:rPr>
+              <a:t>Guided primarily by data from the Pixy image sensor, the line following system directs the vehicle. The sensor data is processed by the onboard processor, which then controls the steering system via a gear mechanism. The steering shaft is driven by a stepper motor, while braking is achieved through servo motor actuation of the brake shoe. Speed control is managed by a potentiometer regulating power to the motor.</a:t>
             </a:r>
           </a:p>
           <a:p>
@@ -4600,90 +4953,18 @@
           </a:p>
           <a:p>
             <a:r>
-              <a:rPr lang="en-IN" sz="1200" dirty="0"/>
-              <a:t>Hardware setup </a:t>
-            </a:r>
-          </a:p>
-          <a:p>
-            <a:endParaRPr lang="en-IN" sz="1200" dirty="0"/>
-          </a:p>
-          <a:p>
-            <a:r>
-              <a:rPr lang="en-IN" sz="1200" dirty="0"/>
-              <a:t>Drive system </a:t>
-            </a:r>
-          </a:p>
-          <a:p>
-            <a:r>
-              <a:rPr lang="en-IN" sz="1200" dirty="0"/>
-              <a:t>The Chassis of TVS </a:t>
-            </a:r>
-            <a:r>
-              <a:rPr lang="en-IN" sz="1200" dirty="0" err="1"/>
-              <a:t>Scooty</a:t>
-            </a:r>
-            <a:r>
-              <a:rPr lang="en-IN" sz="1200" dirty="0"/>
-              <a:t> ES is modified and used as the base frame. The Drive system is designed and modified to house the Hub motor powered by Lithium Ion </a:t>
-            </a:r>
-            <a:r>
-              <a:rPr lang="en-IN" sz="1200" dirty="0" err="1"/>
-              <a:t>batterties</a:t>
-            </a:r>
-            <a:r>
-              <a:rPr lang="en-IN" sz="1200" dirty="0"/>
-              <a:t>. The custom hardware are designed and installed to achieve the autonomous driving. </a:t>
-            </a:r>
-          </a:p>
-          <a:p>
-            <a:endParaRPr lang="en-IN" sz="1200" dirty="0"/>
-          </a:p>
-          <a:p>
-            <a:r>
-              <a:rPr lang="en-IN" sz="1200" dirty="0"/>
-              <a:t>Line following system</a:t>
-            </a:r>
-          </a:p>
-          <a:p>
-            <a:r>
-              <a:rPr lang="en-IN" sz="1200" dirty="0"/>
-              <a:t>The Line following is mainly guided by the data from the image sensor Pixy, Which is fed into the processor which in turn guides the vehicle by controlling the steering system attached with a Gear system. The gear system coupled to the steering shaft if driven by the Stepper motor. The braking system is achieved by actuating the inter brake shoe with servo motor. The power to the </a:t>
-            </a:r>
-            <a:r>
-              <a:rPr lang="en-IN" sz="1200" dirty="0" err="1"/>
-              <a:t>moter</a:t>
-            </a:r>
-            <a:r>
-              <a:rPr lang="en-IN" sz="1200" dirty="0"/>
-              <a:t> is controlled by a potentiometer which can alter the speed of vehicle. </a:t>
-            </a:r>
-          </a:p>
-          <a:p>
-            <a:endParaRPr lang="en-IN" sz="1200" dirty="0"/>
-          </a:p>
-          <a:p>
-            <a:endParaRPr lang="en-IN" sz="1200" dirty="0"/>
-          </a:p>
-          <a:p>
-            <a:r>
-              <a:rPr lang="en-IN" sz="1200" dirty="0"/>
-              <a:t>Software </a:t>
-            </a:r>
-          </a:p>
-          <a:p>
-            <a:endParaRPr lang="en-IN" sz="1200" dirty="0"/>
-          </a:p>
-          <a:p>
-            <a:r>
-              <a:rPr lang="en-IN" sz="1200" dirty="0"/>
-              <a:t>To user login is authenticated by the bar code and the login data is stored in the SQL database. A dedicated webpage user interface has been developed to facilitate the user login and data login. The webpage is hosted locally in the university network. A Bluetooth cordless barcode scanner is used to scan the user barcode and a parking gate is installed to ensure the proper parking of the vehicle. </a:t>
-            </a:r>
-          </a:p>
-          <a:p>
-            <a:endParaRPr lang="en-IN" sz="1200" dirty="0"/>
-          </a:p>
-          <a:p>
-            <a:endParaRPr lang="en-IN" sz="1200" dirty="0"/>
+              <a:rPr lang="en-US" sz="1200" dirty="0"/>
+              <a:t>Software:</a:t>
+            </a:r>
+          </a:p>
+          <a:p>
+            <a:r>
+              <a:rPr lang="en-US" sz="1200" dirty="0"/>
+              <a:t>User login authentication is performed using barcode, with login data stored in an SQL database. A dedicated user interface webpage has been developed to streamline the login process and manage user data. The webpage is hosted locally within the university network. A Bluetooth cordless barcode scanner is employed for user barcode scanning, while a parking gate is installed to ensure proper vehicle parking.</a:t>
+            </a:r>
+          </a:p>
+          <a:p>
+            <a:endParaRPr lang="en-US" sz="1200" dirty="0"/>
           </a:p>
           <a:p>
             <a:r>
@@ -4692,16 +4973,24 @@
             </a:r>
           </a:p>
           <a:p>
-            <a:endParaRPr lang="en-IN" sz="1200" dirty="0"/>
-          </a:p>
-          <a:p>
-            <a:r>
-              <a:rPr lang="en-IN" sz="1200" dirty="0"/>
-              <a:t>This project has secured first place under the category of “Digital Bharat” at International Science festival 2021 by Ministry of Science and technology</a:t>
-            </a:r>
-          </a:p>
-          <a:p>
-            <a:endParaRPr lang="en-IN" sz="1200" dirty="0"/>
+            <a:r>
+              <a:rPr lang="en-US" sz="1200" b="0" i="0" dirty="0">
+                <a:solidFill>
+                  <a:srgbClr val="0D0D0D"/>
+                </a:solidFill>
+                <a:effectLst/>
+                <a:latin typeface="Söhne"/>
+              </a:rPr>
+              <a:t>This project secured first place in the "Digital Bharat" category at the International Science Festival 2021, organized by the Ministry of Science and Technology.</a:t>
+            </a:r>
+          </a:p>
+          <a:p>
+            <a:endParaRPr lang="en-US" sz="1200" dirty="0">
+              <a:solidFill>
+                <a:srgbClr val="0D0D0D"/>
+              </a:solidFill>
+              <a:latin typeface="Söhne"/>
+            </a:endParaRPr>
           </a:p>
           <a:p>
             <a:r>
@@ -4732,7 +5021,7 @@
             </a:pPr>
             <a:r>
               <a:rPr lang="en-IN" sz="1200" dirty="0"/>
-              <a:t>Embedded System</a:t>
+              <a:t>Embedded System (Servo and Stepper Motors, image sensor, processors)</a:t>
             </a:r>
           </a:p>
           <a:p>
@@ -4741,7 +5030,7 @@
             </a:pPr>
             <a:r>
               <a:rPr lang="en-IN" sz="1200" dirty="0"/>
-              <a:t>Electrical System designing</a:t>
+              <a:t>Electrical System designing (Battery Management System)</a:t>
             </a:r>
           </a:p>
           <a:p>
@@ -4750,7 +5039,7 @@
             </a:pPr>
             <a:r>
               <a:rPr lang="en-IN" sz="1200" dirty="0"/>
-              <a:t>Web page development</a:t>
+              <a:t>Web page development (HTML, CSS, JavaScript)</a:t>
             </a:r>
           </a:p>
           <a:p>
@@ -4981,7 +5270,7 @@
         <p:spPr>
           <a:xfrm>
             <a:off x="536448" y="2318813"/>
-            <a:ext cx="5693664" cy="10618291"/>
+            <a:ext cx="5693664" cy="10064294"/>
           </a:xfrm>
           <a:prstGeom prst="rect">
             <a:avLst/>
@@ -5000,20 +5289,15 @@
             </a:r>
           </a:p>
           <a:p>
-            <a:endParaRPr lang="en-IN" sz="1200" dirty="0"/>
-          </a:p>
-          <a:p>
-            <a:r>
-              <a:rPr lang="en-IN" sz="1200" dirty="0"/>
-              <a:t>SAE (Society of Automotive Engineers) BAJA is an international off road racing event where team around the world should design and develop and off road car and compete with each other. In this event I had led my team of 23 members as a captain and driver designed constructed and tested a car. Our Team had competed with 200+ teams in various formats of racing such as </a:t>
-            </a:r>
-            <a:r>
-              <a:rPr lang="en-IN" sz="1200" dirty="0" err="1"/>
-              <a:t>Manuverability</a:t>
-            </a:r>
-            <a:r>
-              <a:rPr lang="en-IN" sz="1200" dirty="0"/>
-              <a:t>, Suspension test, Brake test and Endurance. </a:t>
+            <a:r>
+              <a:rPr lang="en-US" sz="1200" b="0" i="0" dirty="0">
+                <a:solidFill>
+                  <a:srgbClr val="0D0D0D"/>
+                </a:solidFill>
+                <a:effectLst/>
+                <a:latin typeface="Söhne"/>
+              </a:rPr>
+              <a:t>The SAE BAJA is an international off-road racing event organized by the Society of Automotive Engineers. Our team, comprising 23 members, participated in this event, where we designed, constructed, and tested an off-road car to compete with over 200 teams from around the world. The competition included various racing formats such as maneuverability, suspension tests, brake tests, and endurance challenges.</a:t>
             </a:r>
           </a:p>
           <a:p>
@@ -5026,46 +5310,203 @@
             </a:r>
           </a:p>
           <a:p>
+            <a:pPr algn="l"/>
+            <a:r>
+              <a:rPr lang="en-US" sz="1200" b="0" i="0" dirty="0">
+                <a:solidFill>
+                  <a:srgbClr val="0D0D0D"/>
+                </a:solidFill>
+                <a:effectLst/>
+                <a:latin typeface="Söhne"/>
+              </a:rPr>
+              <a:t>The project unfolded over a year, from March 2019 to March 2020, encompassing two critical stages: Design Evaluation and Dynamic Testing. The team was structured into five major sub-teams: Chassis, Braking, Powertrain, Suspension, and Steering.</a:t>
+            </a:r>
+          </a:p>
+          <a:p>
+            <a:pPr algn="l"/>
+            <a:r>
+              <a:rPr lang="en-US" sz="1200" b="0" i="0" dirty="0">
+                <a:solidFill>
+                  <a:srgbClr val="0D0D0D"/>
+                </a:solidFill>
+                <a:effectLst/>
+                <a:latin typeface="Söhne"/>
+              </a:rPr>
+              <a:t>The entire car frame was meticulously crafted using </a:t>
+            </a:r>
+            <a:r>
+              <a:rPr lang="en-US" sz="1200" b="0" i="0" dirty="0" err="1">
+                <a:solidFill>
+                  <a:srgbClr val="0D0D0D"/>
+                </a:solidFill>
+                <a:effectLst/>
+                <a:latin typeface="Söhne"/>
+              </a:rPr>
+              <a:t>Solidworks</a:t>
+            </a:r>
+            <a:r>
+              <a:rPr lang="en-US" sz="1200" b="0" i="0" dirty="0">
+                <a:solidFill>
+                  <a:srgbClr val="0D0D0D"/>
+                </a:solidFill>
+                <a:effectLst/>
+                <a:latin typeface="Söhne"/>
+              </a:rPr>
+              <a:t>, undergoing thorough evaluation in both static and dynamic settings through Ansys software. The Steering and Suspension systems were meticulously designed using Lotus software, with evaluations conducted using Adam.</a:t>
+            </a:r>
+          </a:p>
+          <a:p>
+            <a:pPr algn="l"/>
+            <a:r>
+              <a:rPr lang="en-US" sz="1200" b="0" i="0" dirty="0">
+                <a:solidFill>
+                  <a:srgbClr val="0D0D0D"/>
+                </a:solidFill>
+                <a:effectLst/>
+                <a:latin typeface="Söhne"/>
+              </a:rPr>
+              <a:t>Upon successfully clearing the initial Design Evaluation stage, the constructed model was realized over a span of four months, followed by an intensive two-month testing phase adhering to Race standards.</a:t>
+            </a:r>
+          </a:p>
+          <a:p>
+            <a:endParaRPr lang="en-US" sz="1200" dirty="0"/>
+          </a:p>
+          <a:p>
+            <a:r>
+              <a:rPr lang="en-US" sz="1200" dirty="0"/>
+              <a:t>Key Specifications:</a:t>
+            </a:r>
+          </a:p>
+          <a:p>
+            <a:r>
+              <a:rPr lang="en-US" sz="1200" dirty="0"/>
+              <a:t>Chassis:</a:t>
+            </a:r>
+          </a:p>
+          <a:p>
+            <a:r>
+              <a:rPr lang="en-US" sz="1200" dirty="0"/>
+              <a:t>The entire roll cage is constructed using AISI 4130 X alloy tube with a diameter of 29.2 mm. Welding is accomplished using TIG welding with GTAW ER70-S2 filler.</a:t>
+            </a:r>
+          </a:p>
+          <a:p>
+            <a:r>
+              <a:rPr lang="en-US" sz="1200" dirty="0"/>
+              <a:t>Braking System:</a:t>
+            </a:r>
+          </a:p>
+          <a:p>
+            <a:r>
+              <a:rPr lang="en-US" sz="1200" dirty="0"/>
+              <a:t>The vehicle employs a hydraulic brake system on all four wheels. A Tandem Master cylinder with F-R split is utilized. The caliper features 30mm dual pistons with DOT4 brake fluid. Front and rear discs are designed for maximal heat dissipation and fabricated using the water jet cutting method.</a:t>
+            </a:r>
+          </a:p>
+          <a:p>
+            <a:r>
+              <a:rPr lang="en-US" sz="1200" dirty="0"/>
+              <a:t>Transmission:</a:t>
+            </a:r>
+          </a:p>
+          <a:p>
+            <a:r>
+              <a:rPr lang="en-US" sz="1200" dirty="0"/>
+              <a:t>The vehicle is powered by a 305 CC Briggs &amp; Stratton engine, capable of producing a maximum of 10 HP and 9 mKg-1 torque. Power transmission is achieved through CVT belt transmission with a tripod bearing axle shaft.</a:t>
+            </a:r>
+          </a:p>
+          <a:p>
+            <a:endParaRPr lang="en-US" sz="1200" dirty="0"/>
+          </a:p>
+          <a:p>
+            <a:r>
+              <a:rPr lang="en-US" sz="1200" dirty="0"/>
+              <a:t>Steering and Suspension:</a:t>
+            </a:r>
+          </a:p>
+          <a:p>
+            <a:r>
+              <a:rPr lang="en-US" sz="1200" dirty="0"/>
+              <a:t>Both front and rear suspensions feature a double wishbone design. The vehicle employs Fox Float 3 suspension with 6-inch travel on all four wheels. Knuckles and wheel hubs are designed and manufactured using CNC machining.</a:t>
+            </a:r>
+          </a:p>
+          <a:p>
+            <a:endParaRPr lang="en-IN" sz="1200" dirty="0"/>
+          </a:p>
+          <a:p>
+            <a:pPr algn="l"/>
+            <a:r>
+              <a:rPr lang="en-US" sz="1200" b="1" i="0" dirty="0">
+                <a:solidFill>
+                  <a:srgbClr val="0D0D0D"/>
+                </a:solidFill>
+                <a:effectLst/>
+                <a:latin typeface="Söhne"/>
+              </a:rPr>
+              <a:t>Achievements:</a:t>
+            </a:r>
+            <a:endParaRPr lang="en-US" sz="1200" b="0" i="0" dirty="0">
+              <a:solidFill>
+                <a:srgbClr val="0D0D0D"/>
+              </a:solidFill>
+              <a:effectLst/>
+              <a:latin typeface="Söhne"/>
+            </a:endParaRPr>
+          </a:p>
+          <a:p>
+            <a:pPr lvl="5">
+              <a:buFont typeface="Arial" panose="020B0604020202020204" pitchFamily="34" charset="0"/>
+              <a:buChar char="•"/>
+            </a:pPr>
+            <a:r>
+              <a:rPr lang="en-US" sz="1200" b="0" i="0" dirty="0">
+                <a:solidFill>
+                  <a:srgbClr val="0D0D0D"/>
+                </a:solidFill>
+                <a:effectLst/>
+                <a:latin typeface="Söhne"/>
+              </a:rPr>
+              <a:t>Secured 12th position in Maneuverability.</a:t>
+            </a:r>
+          </a:p>
+          <a:p>
+            <a:pPr algn="l">
+              <a:buFont typeface="Arial" panose="020B0604020202020204" pitchFamily="34" charset="0"/>
+              <a:buChar char="•"/>
+            </a:pPr>
+            <a:r>
+              <a:rPr lang="en-US" sz="1200" b="0" i="0" dirty="0">
+                <a:solidFill>
+                  <a:srgbClr val="0D0D0D"/>
+                </a:solidFill>
+                <a:effectLst/>
+                <a:latin typeface="Söhne"/>
+              </a:rPr>
+              <a:t>Achieved 6th position in Suspension and Traction.</a:t>
+            </a:r>
+          </a:p>
+          <a:p>
+            <a:pPr algn="l">
+              <a:buFont typeface="Arial" panose="020B0604020202020204" pitchFamily="34" charset="0"/>
+              <a:buChar char="•"/>
+            </a:pPr>
+            <a:r>
+              <a:rPr lang="en-US" sz="1200" b="0" i="0" dirty="0">
+                <a:solidFill>
+                  <a:srgbClr val="0D0D0D"/>
+                </a:solidFill>
+                <a:effectLst/>
+                <a:latin typeface="Söhne"/>
+              </a:rPr>
+              <a:t>Successfully completed the 5-hour Endurance run, securing 8th position overall.</a:t>
+            </a:r>
+          </a:p>
+          <a:p>
+            <a:endParaRPr lang="en-IN" sz="1200" dirty="0"/>
+          </a:p>
+          <a:p>
             <a:r>
               <a:rPr lang="en-IN" sz="1200" dirty="0"/>
-              <a:t>The Entire project spans over the time period of 1 year during 03/2019 to 03/2020 with 2 stages (Design evaluation and Dynamic testing). The Team primarily </a:t>
-            </a:r>
-            <a:r>
-              <a:rPr lang="en-IN" sz="1200" dirty="0" err="1"/>
-              <a:t>cosist</a:t>
-            </a:r>
-            <a:r>
-              <a:rPr lang="en-IN" sz="1200" dirty="0"/>
-              <a:t> of 5 major sub teams (</a:t>
-            </a:r>
-            <a:r>
-              <a:rPr lang="en-IN" sz="1200" dirty="0" err="1"/>
-              <a:t>Chasis</a:t>
-            </a:r>
-            <a:r>
-              <a:rPr lang="en-IN" sz="1200" dirty="0"/>
-              <a:t>, Braking, Powertrain, Suspension and Steering). The Entire car frame is designed using </a:t>
-            </a:r>
-            <a:r>
-              <a:rPr lang="en-IN" sz="1200" dirty="0" err="1"/>
-              <a:t>Solidworks</a:t>
-            </a:r>
-            <a:r>
-              <a:rPr lang="en-IN" sz="1200" dirty="0"/>
-              <a:t> and the design evaluated in both static and dynamic setup using Ansys. The Steering and suspension system are designed using Lotus software and evaluated using Adam. After clearing the first round (Design evaluation) the Designed model is constructed in 4 months followed by 2 months of rigorous testing as per standards</a:t>
-            </a:r>
-          </a:p>
-          <a:p>
-            <a:endParaRPr lang="en-IN" sz="1200" dirty="0"/>
-          </a:p>
-          <a:p>
-            <a:r>
-              <a:rPr lang="en-IN" sz="1200" dirty="0"/>
-              <a:t>Key Specs</a:t>
-            </a:r>
-          </a:p>
-          <a:p>
-            <a:endParaRPr lang="en-IN" sz="1200" dirty="0"/>
+              <a:t>Skills Learned</a:t>
+            </a:r>
           </a:p>
           <a:p>
             <a:pPr marL="228600" indent="-228600">
@@ -5073,162 +5514,15 @@
             </a:pPr>
             <a:r>
               <a:rPr lang="en-IN" sz="1200" dirty="0"/>
-              <a:t>Chassis</a:t>
-            </a:r>
-          </a:p>
-          <a:p>
+              <a:t>Design (</a:t>
+            </a:r>
+            <a:r>
+              <a:rPr lang="en-IN" sz="1200" dirty="0" err="1"/>
+              <a:t>Solidworks</a:t>
+            </a:r>
             <a:r>
               <a:rPr lang="en-IN" sz="1200" dirty="0"/>
-              <a:t>The entire Roll cage is constructed using AISI 4130 X alloy tube with diameter of 29.2 mm. The Roll cage was Welded in TIG welding with GTAW ER70-S2 filer.</a:t>
-            </a:r>
-          </a:p>
-          <a:p>
-            <a:endParaRPr lang="en-IN" sz="1200" dirty="0"/>
-          </a:p>
-          <a:p>
-            <a:r>
-              <a:rPr lang="en-IN" sz="1200" dirty="0"/>
-              <a:t>2. Braking System</a:t>
-            </a:r>
-          </a:p>
-          <a:p>
-            <a:r>
-              <a:rPr lang="en-IN" sz="1200" dirty="0" err="1"/>
-              <a:t>Hydrallic</a:t>
-            </a:r>
-            <a:r>
-              <a:rPr lang="en-IN" sz="1200" dirty="0"/>
-              <a:t> Brake system is used in all 4 wheels. A Tandem Master cylinder is been used </a:t>
-            </a:r>
-            <a:r>
-              <a:rPr lang="en-IN" sz="1200" dirty="0" err="1"/>
-              <a:t>woth</a:t>
-            </a:r>
-            <a:r>
-              <a:rPr lang="en-IN" sz="1200" dirty="0"/>
-              <a:t> F-R split. After the design consideration a </a:t>
-            </a:r>
-            <a:r>
-              <a:rPr lang="en-IN" sz="1200" dirty="0" err="1"/>
-              <a:t>calipar</a:t>
-            </a:r>
-            <a:r>
-              <a:rPr lang="en-IN" sz="1200" dirty="0"/>
-              <a:t> with 30mm dual piston is with DOT4 brake fluid. The Front and rear disc are designed from maximal heat dissipation with required structural strength and fabricated using water jet cutting method.</a:t>
-            </a:r>
-          </a:p>
-          <a:p>
-            <a:r>
-              <a:rPr lang="en-IN" sz="1200" dirty="0"/>
-              <a:t> 3. Transmission</a:t>
-            </a:r>
-          </a:p>
-          <a:p>
-            <a:r>
-              <a:rPr lang="en-IN" sz="1200" dirty="0"/>
-              <a:t>A 305 CC Briggs &amp; </a:t>
-            </a:r>
-            <a:r>
-              <a:rPr lang="en-IN" sz="1200" dirty="0" err="1"/>
-              <a:t>starton</a:t>
-            </a:r>
-            <a:r>
-              <a:rPr lang="en-IN" sz="1200" dirty="0"/>
-              <a:t> engine is used to power the vehicle producing maximum of 10 HP an 9 mKg-1 Torque the Power is transmitted using CVT belt transmission with tripod bearing axle shaft</a:t>
-            </a:r>
-          </a:p>
-          <a:p>
-            <a:endParaRPr lang="en-IN" sz="1200" dirty="0"/>
-          </a:p>
-          <a:p>
-            <a:r>
-              <a:rPr lang="en-IN" sz="1200" dirty="0"/>
-              <a:t>4. Suspension</a:t>
-            </a:r>
-          </a:p>
-          <a:p>
-            <a:r>
-              <a:rPr lang="en-IN" sz="1200" dirty="0"/>
-              <a:t>A Double Wishbone suspension is used in both front and rear suspension. The Fox Float 3 suspension </a:t>
-            </a:r>
-            <a:r>
-              <a:rPr lang="en-IN" sz="1200" dirty="0" err="1"/>
-              <a:t>woth</a:t>
-            </a:r>
-            <a:r>
-              <a:rPr lang="en-IN" sz="1200" dirty="0"/>
-              <a:t> 6 inch travel is employed in the all 4 wheels. The Knuckle and the wheel hub are designed and manufactured using CNC machining. </a:t>
-            </a:r>
-          </a:p>
-          <a:p>
-            <a:endParaRPr lang="en-IN" sz="1200" dirty="0"/>
-          </a:p>
-          <a:p>
-            <a:endParaRPr lang="en-IN" sz="1200" dirty="0"/>
-          </a:p>
-          <a:p>
-            <a:r>
-              <a:rPr lang="en-IN" sz="1200" dirty="0"/>
-              <a:t>Achievements</a:t>
-            </a:r>
-          </a:p>
-          <a:p>
-            <a:r>
-              <a:rPr lang="en-IN" sz="1200" dirty="0"/>
-              <a:t>12</a:t>
-            </a:r>
-            <a:r>
-              <a:rPr lang="en-IN" sz="1200" baseline="30000" dirty="0"/>
-              <a:t>th</a:t>
-            </a:r>
-            <a:r>
-              <a:rPr lang="en-IN" sz="1200" dirty="0"/>
-              <a:t> position in </a:t>
-            </a:r>
-            <a:r>
-              <a:rPr lang="en-IN" sz="1200" dirty="0" err="1"/>
-              <a:t>Manuverability</a:t>
-            </a:r>
-            <a:endParaRPr lang="en-IN" sz="1200" dirty="0"/>
-          </a:p>
-          <a:p>
-            <a:r>
-              <a:rPr lang="en-IN" sz="1200" dirty="0"/>
-              <a:t>6</a:t>
-            </a:r>
-            <a:r>
-              <a:rPr lang="en-IN" sz="1200" baseline="30000" dirty="0"/>
-              <a:t>th</a:t>
-            </a:r>
-            <a:r>
-              <a:rPr lang="en-IN" sz="1200" dirty="0"/>
-              <a:t> position is Suspension and traction. </a:t>
-            </a:r>
-          </a:p>
-          <a:p>
-            <a:r>
-              <a:rPr lang="en-IN" sz="1200" dirty="0"/>
-              <a:t>Successfully completed the 5 hours Endurance run with 8</a:t>
-            </a:r>
-            <a:r>
-              <a:rPr lang="en-IN" sz="1200" baseline="30000" dirty="0"/>
-              <a:t>th</a:t>
-            </a:r>
-            <a:r>
-              <a:rPr lang="en-IN" sz="1200" dirty="0"/>
-              <a:t> position Overall</a:t>
-            </a:r>
-          </a:p>
-          <a:p>
-            <a:r>
-              <a:rPr lang="en-IN" sz="1200" dirty="0"/>
-              <a:t> </a:t>
-            </a:r>
-          </a:p>
-          <a:p>
-            <a:r>
-              <a:rPr lang="en-IN" sz="1200" dirty="0"/>
-              <a:t>Skills Learned</a:t>
+              <a:t>, Lotus)</a:t>
             </a:r>
           </a:p>
           <a:p>
@@ -5237,15 +5531,7 @@
             </a:pPr>
             <a:r>
               <a:rPr lang="en-IN" sz="1200" dirty="0"/>
-              <a:t>Design (</a:t>
-            </a:r>
-            <a:r>
-              <a:rPr lang="en-IN" sz="1200" dirty="0" err="1"/>
-              <a:t>Solidworks</a:t>
-            </a:r>
-            <a:r>
-              <a:rPr lang="en-IN" sz="1200" dirty="0"/>
-              <a:t>, Lotus</a:t>
+              <a:t>Analysis(Ansys, ADAM)</a:t>
             </a:r>
           </a:p>
           <a:p>
@@ -5254,7 +5540,7 @@
             </a:pPr>
             <a:r>
               <a:rPr lang="en-IN" sz="1200" dirty="0"/>
-              <a:t>Analysis(Ansys, ADAM)</a:t>
+              <a:t>Team Management</a:t>
             </a:r>
           </a:p>
           <a:p>
@@ -5263,7 +5549,7 @@
             </a:pPr>
             <a:r>
               <a:rPr lang="en-IN" sz="1200" dirty="0"/>
-              <a:t>Team Management</a:t>
+              <a:t>Motorsport Driving</a:t>
             </a:r>
           </a:p>
           <a:p>
@@ -5272,7 +5558,7 @@
             </a:pPr>
             <a:r>
               <a:rPr lang="en-IN" sz="1200" dirty="0"/>
-              <a:t>Motorsport Driving</a:t>
+              <a:t>Testing Procedures</a:t>
             </a:r>
           </a:p>
           <a:p>
@@ -5281,7 +5567,7 @@
             </a:pPr>
             <a:r>
               <a:rPr lang="en-IN" sz="1200" dirty="0"/>
-              <a:t>Testing Procedures</a:t>
+              <a:t>Welding (TIG, MIG)</a:t>
             </a:r>
           </a:p>
           <a:p>
@@ -5290,16 +5576,7 @@
             </a:pPr>
             <a:r>
               <a:rPr lang="en-IN" sz="1200" dirty="0"/>
-              <a:t>TIG welding</a:t>
-            </a:r>
-          </a:p>
-          <a:p>
-            <a:pPr marL="228600" indent="-228600">
-              <a:buAutoNum type="arabicPeriod"/>
-            </a:pPr>
-            <a:r>
-              <a:rPr lang="en-IN" sz="1200" dirty="0"/>
-              <a:t>Machining </a:t>
+              <a:t>Machining (CNC, basic machining)</a:t>
             </a:r>
           </a:p>
           <a:p>
@@ -5534,8 +5811,8 @@
         </p:nvSpPr>
         <p:spPr>
           <a:xfrm>
-            <a:off x="536448" y="2318813"/>
-            <a:ext cx="5693664" cy="8586966"/>
+            <a:off x="582168" y="2345426"/>
+            <a:ext cx="5693664" cy="9694962"/>
           </a:xfrm>
           <a:prstGeom prst="rect">
             <a:avLst/>
@@ -5555,8 +5832,34 @@
           </a:p>
           <a:p>
             <a:r>
-              <a:rPr lang="en-IN" sz="1200" dirty="0"/>
-              <a:t>This project is a done as the part of study (assignment) at THWS. In this project a team of 5 members has developed various Machine learning Models for Human action estimation from the popular Open pose dataset. Moreover the performance of the model compared and justified. </a:t>
+              <a:rPr lang="en-US" sz="1200" b="0" i="0" dirty="0">
+                <a:solidFill>
+                  <a:srgbClr val="0D0D0D"/>
+                </a:solidFill>
+                <a:effectLst/>
+                <a:latin typeface="Söhne"/>
+              </a:rPr>
+              <a:t>This project was undertaken as part of a study assignment at THWS. Our team focused on developing diverse machine learning models for human action estimation utilizing the widely used </a:t>
+            </a:r>
+            <a:r>
+              <a:rPr lang="en-US" sz="1200" b="0" i="0" dirty="0" err="1">
+                <a:solidFill>
+                  <a:srgbClr val="0D0D0D"/>
+                </a:solidFill>
+                <a:effectLst/>
+                <a:latin typeface="Söhne"/>
+              </a:rPr>
+              <a:t>OpenPose</a:t>
+            </a:r>
+            <a:r>
+              <a:rPr lang="en-US" sz="1200" b="0" i="0" dirty="0">
+                <a:solidFill>
+                  <a:srgbClr val="0D0D0D"/>
+                </a:solidFill>
+                <a:effectLst/>
+                <a:latin typeface="Söhne"/>
+              </a:rPr>
+              <a:t> dataset. Additionally, the project involved thorough comparisons and justifications of the models' performances.</a:t>
             </a:r>
           </a:p>
           <a:p>
@@ -5570,24 +5873,139 @@
           </a:p>
           <a:p>
             <a:r>
-              <a:rPr lang="en-US" sz="1200" dirty="0"/>
+              <a:rPr lang="en-US" sz="1200" b="0" i="0" dirty="0">
+                <a:solidFill>
+                  <a:srgbClr val="0D0D0D"/>
+                </a:solidFill>
+                <a:effectLst/>
+                <a:latin typeface="Söhne"/>
+              </a:rPr>
               <a:t>The </a:t>
             </a:r>
             <a:r>
-              <a:rPr lang="en-US" sz="1200" dirty="0" err="1"/>
+              <a:rPr lang="en-US" sz="1200" b="0" i="0" dirty="0" err="1">
+                <a:solidFill>
+                  <a:srgbClr val="0D0D0D"/>
+                </a:solidFill>
+                <a:effectLst/>
+                <a:latin typeface="Söhne"/>
+              </a:rPr>
               <a:t>OpenPose</a:t>
             </a:r>
             <a:r>
-              <a:rPr lang="en-US" sz="1200" dirty="0"/>
-              <a:t> dataset is a collection of </a:t>
-            </a:r>
-            <a:r>
-              <a:rPr lang="en-US" sz="1200" dirty="0" err="1"/>
-              <a:t>keypoint</a:t>
-            </a:r>
-            <a:r>
-              <a:rPr lang="en-US" sz="1200" dirty="0"/>
-              <a:t> of body parts such as head arm hip… of humans performing 5 different activities. The </a:t>
+              <a:rPr lang="en-US" sz="1200" b="0" i="0" dirty="0">
+                <a:solidFill>
+                  <a:srgbClr val="0D0D0D"/>
+                </a:solidFill>
+                <a:effectLst/>
+                <a:latin typeface="Söhne"/>
+              </a:rPr>
+              <a:t> dataset comprises key points of body parts such as the head, arms, and hips, extracted from humans performing 5 different activities. Each key point is represented by its x and y coordinates, accompanied by a confidence score. A total of 1500 such data points are utilized for training purposes.</a:t>
+            </a:r>
+          </a:p>
+          <a:p>
+            <a:endParaRPr lang="en-US" sz="1200" dirty="0"/>
+          </a:p>
+          <a:p>
+            <a:r>
+              <a:rPr lang="en-US" sz="1200" dirty="0"/>
+              <a:t>ML Models</a:t>
+            </a:r>
+          </a:p>
+          <a:p>
+            <a:r>
+              <a:rPr lang="en-US" sz="1200" dirty="0"/>
+              <a:t>Here's a refined version of your description of different models used in your project:</a:t>
+            </a:r>
+          </a:p>
+          <a:p>
+            <a:endParaRPr lang="en-US" sz="1200" dirty="0"/>
+          </a:p>
+          <a:p>
+            <a:r>
+              <a:rPr lang="en-US" sz="1200" dirty="0"/>
+              <a:t>---</a:t>
+            </a:r>
+          </a:p>
+          <a:p>
+            <a:endParaRPr lang="en-US" sz="1200" dirty="0"/>
+          </a:p>
+          <a:p>
+            <a:r>
+              <a:rPr lang="en-US" sz="1200" dirty="0"/>
+              <a:t>**Machine Learning Models:**</a:t>
+            </a:r>
+          </a:p>
+          <a:p>
+            <a:endParaRPr lang="en-US" sz="1200" dirty="0"/>
+          </a:p>
+          <a:p>
+            <a:r>
+              <a:rPr lang="en-US" sz="1200" dirty="0"/>
+              <a:t>1. **Convolutional Neural Network 1D (CNN 1D):**</a:t>
+            </a:r>
+          </a:p>
+          <a:p>
+            <a:r>
+              <a:rPr lang="en-US" sz="1200" dirty="0"/>
+              <a:t>   - CNN 1D is commonly employed for processing one-dimensional sequential data such as time series or signals. Each key point is treated as a 1D sequence, allowing CNN 1D models to capture local patterns and hierarchies effectively, making them suitable for classification tasks.</a:t>
+            </a:r>
+          </a:p>
+          <a:p>
+            <a:endParaRPr lang="en-US" sz="1200" dirty="0"/>
+          </a:p>
+          <a:p>
+            <a:r>
+              <a:rPr lang="en-US" sz="1200" dirty="0"/>
+              <a:t>2. **Convolutional Neural Network 2D (CNN 2D):**</a:t>
+            </a:r>
+          </a:p>
+          <a:p>
+            <a:r>
+              <a:rPr lang="en-US" sz="1200" dirty="0"/>
+              <a:t>   -</a:t>
+            </a:r>
+          </a:p>
+          <a:p>
+            <a:r>
+              <a:rPr lang="en-US" sz="1200" dirty="0"/>
+              <a:t>3. **Recurrent Neural Network (LSTM):**</a:t>
+            </a:r>
+          </a:p>
+          <a:p>
+            <a:r>
+              <a:rPr lang="en-US" sz="1200" dirty="0"/>
+              <a:t>   - LSTM (Long Short-Term Memory) is a type of recurrent neural network suitable for processing sequential data with long-range dependencies. It incorporates memory cells and gating mechanisms to retain and update information over time. LSTM is utilized to extract temporal features from the data, which is crucial in sequential problems.</a:t>
+            </a:r>
+          </a:p>
+          <a:p>
+            <a:endParaRPr lang="en-US" sz="1200" dirty="0"/>
+          </a:p>
+          <a:p>
+            <a:r>
+              <a:rPr lang="en-US" sz="1200" dirty="0"/>
+              <a:t>4. **Random Forest:**</a:t>
+            </a:r>
+          </a:p>
+          <a:p>
+            <a:r>
+              <a:rPr lang="en-US" sz="1200" dirty="0"/>
+              <a:t>   - Random Forest is an ensemble learning method comprising multiple decision trees trained on random subsets of dataset features. It aggregates predictions from individual trees through averaging or voting, resulting in robust and accurate predictions. In our approach, every 100 frames are flattened, and class prediction is made using Random Forest. The final class is determined based on maximum vote.</a:t>
+            </a:r>
+          </a:p>
+          <a:p>
+            <a:endParaRPr lang="en-US" sz="1200" dirty="0"/>
+          </a:p>
+          <a:p>
+            <a:r>
+              <a:rPr lang="en-US" sz="1200" dirty="0"/>
+              <a:t>5. **Dynamic Time Warping (DTW):**</a:t>
+            </a:r>
+          </a:p>
+          <a:p>
+            <a:r>
+              <a:rPr lang="en-US" sz="1200" dirty="0"/>
+              <a:t>   - DTW is a technique used to measure similarity between two time series sequences, even when they have different lengths or are temporally distorted. It dynamically aligns sequences by warping them in time to find the optimal matching. In our application, the movement of </a:t>
             </a:r>
             <a:r>
               <a:rPr lang="en-US" sz="1200" dirty="0" err="1"/>
@@ -5595,7 +6013,13 @@
             </a:r>
             <a:r>
               <a:rPr lang="en-US" sz="1200" dirty="0"/>
-              <a:t> are denoted by x and y coordinates of the part with a confidence score 1500 such data points is used for training</a:t>
+              <a:t> is treated as a sequence and compared for similarity against an ideal datapoint. Class prediction is made based on maximum similarity.</a:t>
+            </a:r>
+          </a:p>
+          <a:p>
+            <a:r>
+              <a:rPr lang="en-US" sz="1200" dirty="0"/>
+              <a:t>Skills</a:t>
             </a:r>
           </a:p>
           <a:p>
@@ -5604,98 +6028,46 @@
           <a:p>
             <a:r>
               <a:rPr lang="en-US" sz="1200" dirty="0"/>
-              <a:t>ML Models</a:t>
-            </a:r>
-          </a:p>
-          <a:p>
-            <a:r>
-              <a:rPr lang="en-US" sz="1200" dirty="0"/>
-              <a:t>Convolutional Neural Network 1D (CNN 1D)</a:t>
-            </a:r>
-          </a:p>
-          <a:p>
-            <a:r>
-              <a:rPr lang="en-US" sz="1200" dirty="0"/>
-              <a:t>CNN 1D is a commonly used for processing one-dimensional sequential data like time series or signals. Each key points are assumed to be 1D sequence and CNN 1D is used CNN 1D models are adept at capturing local patterns and hierarchies in sequential data, making them effective classification. </a:t>
-            </a:r>
-          </a:p>
-          <a:p>
+              <a:t>Data Preprocessing (Data cleaning, Outlier detection, statistical analysis)</a:t>
+            </a:r>
+          </a:p>
+          <a:p>
+            <a:r>
+              <a:rPr lang="en-US" sz="1200" dirty="0"/>
+              <a:t>Deep Learning (Convolutional Neural Network, Recurrent Neural Networks)</a:t>
+            </a:r>
+          </a:p>
+          <a:p>
+            <a:r>
+              <a:rPr lang="en-US" sz="1200" dirty="0"/>
+              <a:t>Machine learning (Random Forest, Principal Component analysis , Dynamic Time </a:t>
+            </a:r>
+            <a:r>
+              <a:rPr lang="en-US" sz="1200" dirty="0" err="1"/>
+              <a:t>wraping</a:t>
+            </a:r>
             <a:endParaRPr lang="en-US" sz="1200" dirty="0"/>
           </a:p>
           <a:p>
             <a:r>
               <a:rPr lang="en-US" sz="1200" dirty="0"/>
-              <a:t>2. **Convolutional Neural Network 2D (CNN 2D)**:</a:t>
-            </a:r>
-          </a:p>
-          <a:p>
-            <a:r>
-              <a:rPr lang="en-US" sz="1200" dirty="0"/>
-              <a:t>   - CNN 2D is a architecture designed for processing two-dimensional structured data like images. The data is assumed to bed an Image with </a:t>
+              <a:t>Python (</a:t>
             </a:r>
             <a:r>
               <a:rPr lang="en-US" sz="1200" dirty="0" err="1"/>
-              <a:t>Keypoints</a:t>
-            </a:r>
-            <a:r>
-              <a:rPr lang="en-US" sz="1200" dirty="0"/>
-              <a:t> of various body parts and time (15 frames) as axis. CNN 2D models leverage hierarchical feature representations to discern patterns and relationships within timesteps, making them effective in classification.</a:t>
-            </a:r>
-          </a:p>
-          <a:p>
-            <a:endParaRPr lang="en-US" sz="1200" dirty="0"/>
-          </a:p>
-          <a:p>
-            <a:r>
-              <a:rPr lang="en-US" sz="1200" dirty="0"/>
-              <a:t>3. **Recurrent Neural Network (LSTM)**:</a:t>
-            </a:r>
-          </a:p>
-          <a:p>
-            <a:r>
-              <a:rPr lang="en-US" sz="1200" dirty="0"/>
-              <a:t>   - LSTM (Long Short-Term Memory) is a type of recurrent neural network architecture suitable for processing sequential data with long-range dependencies. It incorporates memory cells and gating mechanisms to retain and selectively update information over time. As a typical sequential problem LSTM is used to extract the temporal features of the data</a:t>
-            </a:r>
-          </a:p>
-          <a:p>
-            <a:r>
-              <a:rPr lang="en-US" sz="1200" dirty="0"/>
-              <a:t>4. **Random Forest**:</a:t>
-            </a:r>
-          </a:p>
-          <a:p>
-            <a:r>
-              <a:rPr lang="en-US" sz="1200" dirty="0"/>
-              <a:t>   - Random Forest is an ensemble learning method consisting of multiple decision trees trained on random subsets of the dataset features. It combines the predictions of individual trees through averaging or voting to produce robust and accurate predictions, particularly in classification and regression tasks. Every 100 frames are flattened and class is predicted using Random Forest and the final class is predicted using maximum vote</a:t>
-            </a:r>
-          </a:p>
-          <a:p>
-            <a:r>
-              <a:rPr lang="en-US" sz="1200" dirty="0"/>
-              <a:t>5. **Dynamic Time Warping (DTW)**:</a:t>
-            </a:r>
-          </a:p>
-          <a:p>
-            <a:r>
-              <a:rPr lang="en-US" sz="1200" dirty="0"/>
-              <a:t>   - DTW is a technique used to measure the similarity between two time series sequences, even when they have different lengths or are temporally distorted. It dynamically aligns the sequences by warping them in time to find the optimal matching. The movement of the </a:t>
+              <a:t>PyTorch</a:t>
+            </a:r>
+            <a:r>
+              <a:rPr lang="en-US" sz="1200" dirty="0"/>
+              <a:t>, TensorFlow, </a:t>
             </a:r>
             <a:r>
               <a:rPr lang="en-US" sz="1200" dirty="0" err="1"/>
-              <a:t>keypoins</a:t>
-            </a:r>
-            <a:r>
-              <a:rPr lang="en-US" sz="1200" dirty="0"/>
-              <a:t> are assumed to be sequence and compared for similarity against an ideal datapoint and the class is predicted with maximum similarity</a:t>
-            </a:r>
-          </a:p>
-          <a:p>
-            <a:endParaRPr lang="en-US" sz="1200" dirty="0"/>
-          </a:p>
-          <a:p>
-            <a:r>
-              <a:rPr lang="en-US" sz="1200" dirty="0"/>
-              <a:t>Results</a:t>
+              <a:t>Sklearn</a:t>
+            </a:r>
+            <a:r>
+              <a:rPr lang="en-US" sz="1200" dirty="0"/>
+              <a:t>)</a:t>
             </a:r>
           </a:p>
         </p:txBody>
@@ -5902,7 +6274,7 @@
         <p:spPr>
           <a:xfrm>
             <a:off x="582168" y="2326433"/>
-            <a:ext cx="5693664" cy="5447645"/>
+            <a:ext cx="5693664" cy="8032968"/>
           </a:xfrm>
           <a:prstGeom prst="rect">
             <a:avLst/>
@@ -5922,61 +6294,138 @@
           </a:p>
           <a:p>
             <a:r>
-              <a:rPr lang="en-US" sz="1200" dirty="0"/>
-              <a:t>This project has been done as the part of the studies  (portfolio exam) during Masters. This paper describes the implementation of a self-learning black jack player using Markov decision process. The environment of the game is developed in python and learning of basic strategy is executed using Q-learning method. The growth of win rate and change in policy for different rules and hyper parameters are experimented.</a:t>
+              <a:rPr lang="en-US" sz="1200" b="0" i="0" dirty="0">
+                <a:solidFill>
+                  <a:srgbClr val="0D0D0D"/>
+                </a:solidFill>
+                <a:effectLst/>
+                <a:latin typeface="Söhne"/>
+              </a:rPr>
+              <a:t>This project was undertaken as part of the portfolio exam during Masters studies. The paper outlines the implementation of a self-learning blackjack player using Markov decision process principles. The game environment was developed in Python, with the basic strategy learning executed through the Q-learning method. The project involved experimentation with various rules and hyperparameters to observe the growth of win rate and changes in policy.</a:t>
+            </a:r>
+          </a:p>
+          <a:p>
+            <a:pPr algn="l"/>
+            <a:r>
+              <a:rPr lang="en-US" sz="1200" b="1" i="0" dirty="0">
+                <a:solidFill>
+                  <a:srgbClr val="0D0D0D"/>
+                </a:solidFill>
+                <a:effectLst/>
+                <a:latin typeface="Söhne"/>
+              </a:rPr>
+              <a:t>Environment:</a:t>
+            </a:r>
+            <a:endParaRPr lang="en-US" sz="1200" b="0" i="0" dirty="0">
+              <a:solidFill>
+                <a:srgbClr val="0D0D0D"/>
+              </a:solidFill>
+              <a:effectLst/>
+              <a:latin typeface="Söhne"/>
+            </a:endParaRPr>
+          </a:p>
+          <a:p>
+            <a:pPr algn="l"/>
+            <a:r>
+              <a:rPr lang="en-US" sz="1200" b="0" i="0" dirty="0">
+                <a:solidFill>
+                  <a:srgbClr val="0D0D0D"/>
+                </a:solidFill>
+                <a:effectLst/>
+                <a:latin typeface="Söhne"/>
+              </a:rPr>
+              <a:t>The blackjack environment is implemented in Python, faithfully replicating the basic gameplay and strategies, including card counting techniques. The rules adhere closely to those outlined in the book "Beat the Dealer".</a:t>
+            </a:r>
+          </a:p>
+          <a:p>
+            <a:pPr algn="l"/>
+            <a:r>
+              <a:rPr lang="en-US" sz="1200" b="0" i="0" dirty="0">
+                <a:solidFill>
+                  <a:srgbClr val="0D0D0D"/>
+                </a:solidFill>
+                <a:effectLst/>
+                <a:latin typeface="Söhne"/>
+              </a:rPr>
+              <a:t>During each game, the agent has two possible actions: "Pick" or "Stick". The state of the game is represented by the sum of the player's cards and the dealer's initial card. Rewards are provided at the end of every game based on the outcome.</a:t>
             </a:r>
           </a:p>
           <a:p>
             <a:endParaRPr lang="en-US" sz="1200" dirty="0"/>
           </a:p>
           <a:p>
-            <a:r>
-              <a:rPr lang="en-US" sz="1200" dirty="0"/>
-              <a:t>Environment </a:t>
-            </a:r>
-          </a:p>
-          <a:p>
-            <a:r>
-              <a:rPr lang="en-US" sz="1200" dirty="0"/>
-              <a:t>The Black jack environment is developed in python. Which replicates the basic gameplay and strategies such as car counting . The rules as followed as described the book beat the dealer. The agent can take two possible action (Pick or stick) where the state is represented by the sum of players card and the dealers’ initial card. The reward are given at end of every game.</a:t>
-            </a:r>
-          </a:p>
-          <a:p>
             <a:endParaRPr lang="en-US" sz="1200" dirty="0"/>
           </a:p>
           <a:p>
-            <a:r>
-              <a:rPr lang="en-US" sz="1200" dirty="0"/>
-              <a:t>Q –learning</a:t>
-            </a:r>
-          </a:p>
-          <a:p>
-            <a:r>
-              <a:rPr lang="en-US" sz="1200" b="0" i="0" u="none" strike="noStrike" baseline="0" dirty="0">
+            <a:pPr algn="l"/>
+            <a:r>
+              <a:rPr lang="en-US" sz="1200" b="1" i="0" dirty="0">
                 <a:solidFill>
-                  <a:srgbClr val="1F2023"/>
+                  <a:srgbClr val="0D0D0D"/>
                 </a:solidFill>
-                <a:latin typeface="Times New Roman" panose="02020603050405020304" pitchFamily="18" charset="0"/>
+                <a:effectLst/>
+                <a:latin typeface="Söhne"/>
               </a:rPr>
-              <a:t>Q- learning policy is defined by q table, which is the table of state action pair. It stores the probabilities of all possible actions at each state. It is formed by states and actions of the environment. The dimension of Q-table for the basic strategy of Blackjack is 310</a:t>
-            </a:r>
-            <a:r>
-              <a:rPr lang="en-US" sz="1200" b="0" i="0" u="none" strike="noStrike" baseline="0" dirty="0">
+              <a:t>Q-Learning:</a:t>
+            </a:r>
+            <a:endParaRPr lang="en-US" sz="1200" b="0" i="0" dirty="0">
+              <a:solidFill>
+                <a:srgbClr val="0D0D0D"/>
+              </a:solidFill>
+              <a:effectLst/>
+              <a:latin typeface="Söhne"/>
+            </a:endParaRPr>
+          </a:p>
+          <a:p>
+            <a:pPr algn="l"/>
+            <a:r>
+              <a:rPr lang="en-US" sz="1200" b="0" i="0" dirty="0">
                 <a:solidFill>
-                  <a:srgbClr val="1F2023"/>
+                  <a:srgbClr val="0D0D0D"/>
                 </a:solidFill>
-                <a:latin typeface="Cambria Math" panose="02040503050406030204" pitchFamily="18" charset="0"/>
+                <a:effectLst/>
+                <a:latin typeface="Söhne"/>
               </a:rPr>
-              <a:t>×</a:t>
-            </a:r>
-            <a:r>
-              <a:rPr lang="en-US" sz="1200" b="0" i="0" u="none" strike="noStrike" baseline="0" dirty="0">
+              <a:t>The learning policy is defined by the Q-table, which comprises state-action pairs storing the probabilities of all possible actions at each state. This table is formed by the states and actions of the environment.</a:t>
+            </a:r>
+          </a:p>
+          <a:p>
+            <a:pPr algn="l"/>
+            <a:r>
+              <a:rPr lang="en-US" sz="1200" b="0" i="0" dirty="0">
                 <a:solidFill>
-                  <a:srgbClr val="1F2023"/>
+                  <a:srgbClr val="0D0D0D"/>
                 </a:solidFill>
-                <a:latin typeface="Times New Roman" panose="02020603050405020304" pitchFamily="18" charset="0"/>
+                <a:effectLst/>
+                <a:latin typeface="Söhne"/>
               </a:rPr>
-              <a:t>10 (Maximum states and action) and the dimension of Q- table for card counting strategy is ((310 x 2) x 10) as each single state have 2 sub states. This table is the termed as policy as the agent will follow the table to take action at particular state. The values of Q- table is updated for each reward obtained using Bellman’s equation. </a:t>
+              <a:t>For the basic strategy of Blackjack, the dimension of the Q-table is 310×10 (maximum states and actions). For the card counting strategy, the dimension is ((310 x 2) x 10) as each single state has 2 sub-states. The Q-table serves as the policy, guiding the agent to take actions at particular states.</a:t>
+            </a:r>
+          </a:p>
+          <a:p>
+            <a:pPr algn="l"/>
+            <a:r>
+              <a:rPr lang="en-US" sz="1200" b="0" i="0" dirty="0">
+                <a:solidFill>
+                  <a:srgbClr val="0D0D0D"/>
+                </a:solidFill>
+                <a:effectLst/>
+                <a:latin typeface="Söhne"/>
+              </a:rPr>
+              <a:t>The values of the Q-table are updated for each reward obtained using Bellman's equation. A total of 100,000 games are played, with exploration and exploitation managed by the epsilon-greedy approach.</a:t>
+            </a:r>
+          </a:p>
+          <a:p>
+            <a:pPr algn="l"/>
+            <a:r>
+              <a:rPr lang="en-US" sz="1200" b="0" i="0" dirty="0">
+                <a:solidFill>
+                  <a:srgbClr val="0D0D0D"/>
+                </a:solidFill>
+                <a:effectLst/>
+                <a:latin typeface="Söhne"/>
+              </a:rPr>
+              <a:t>A maximum win rate of 44% is achieved, which is comparable to human gameplay.</a:t>
             </a:r>
           </a:p>
           <a:p>
@@ -5988,6 +6437,14 @@
             </a:endParaRPr>
           </a:p>
           <a:p>
+            <a:endParaRPr lang="en-US" sz="1200" dirty="0">
+              <a:solidFill>
+                <a:srgbClr val="1F2023"/>
+              </a:solidFill>
+              <a:latin typeface="Times New Roman" panose="02020603050405020304" pitchFamily="18" charset="0"/>
+            </a:endParaRPr>
+          </a:p>
+          <a:p>
             <a:r>
               <a:rPr lang="en-US" sz="1200" dirty="0">
                 <a:solidFill>
@@ -5995,8 +6452,104 @@
                 </a:solidFill>
                 <a:latin typeface="Times New Roman" panose="02020603050405020304" pitchFamily="18" charset="0"/>
               </a:rPr>
-              <a:t>A total of 100000 games are played and the exploration and exploitation is managed by epsilon greedy approach. A maximum of 44% win rate is achieved which is comparable t human gameplay. </a:t>
-            </a:r>
+              <a:t>Skills</a:t>
+            </a:r>
+          </a:p>
+          <a:p>
+            <a:r>
+              <a:rPr lang="en-US" sz="1200" dirty="0">
+                <a:solidFill>
+                  <a:srgbClr val="1F2023"/>
+                </a:solidFill>
+                <a:latin typeface="Times New Roman" panose="02020603050405020304" pitchFamily="18" charset="0"/>
+              </a:rPr>
+              <a:t>Reinforcement learning</a:t>
+            </a:r>
+          </a:p>
+          <a:p>
+            <a:r>
+              <a:rPr lang="en-US" sz="1200" dirty="0">
+                <a:solidFill>
+                  <a:srgbClr val="1F2023"/>
+                </a:solidFill>
+                <a:latin typeface="Times New Roman" panose="02020603050405020304" pitchFamily="18" charset="0"/>
+              </a:rPr>
+              <a:t>Environment, Action, Reward, State, Agent</a:t>
+            </a:r>
+          </a:p>
+          <a:p>
+            <a:r>
+              <a:rPr lang="en-US" sz="1200" dirty="0">
+                <a:solidFill>
+                  <a:srgbClr val="1F2023"/>
+                </a:solidFill>
+                <a:latin typeface="Times New Roman" panose="02020603050405020304" pitchFamily="18" charset="0"/>
+              </a:rPr>
+              <a:t>Markov decision process</a:t>
+            </a:r>
+          </a:p>
+          <a:p>
+            <a:r>
+              <a:rPr lang="en-US" sz="1200" dirty="0">
+                <a:solidFill>
+                  <a:srgbClr val="1F2023"/>
+                </a:solidFill>
+                <a:latin typeface="Times New Roman" panose="02020603050405020304" pitchFamily="18" charset="0"/>
+              </a:rPr>
+              <a:t>Discount factor, policy and value iteration</a:t>
+            </a:r>
+          </a:p>
+          <a:p>
+            <a:r>
+              <a:rPr lang="en-US" sz="1200" dirty="0">
+                <a:solidFill>
+                  <a:srgbClr val="1F2023"/>
+                </a:solidFill>
+                <a:latin typeface="Times New Roman" panose="02020603050405020304" pitchFamily="18" charset="0"/>
+              </a:rPr>
+              <a:t>Epsilon Greedy policy</a:t>
+            </a:r>
+          </a:p>
+          <a:p>
+            <a:r>
+              <a:rPr lang="en-US" sz="1200" dirty="0">
+                <a:solidFill>
+                  <a:srgbClr val="1F2023"/>
+                </a:solidFill>
+                <a:latin typeface="Times New Roman" panose="02020603050405020304" pitchFamily="18" charset="0"/>
+              </a:rPr>
+              <a:t>Explore exploit trade off</a:t>
+            </a:r>
+          </a:p>
+          <a:p>
+            <a:r>
+              <a:rPr lang="en-US" sz="1200" dirty="0">
+                <a:solidFill>
+                  <a:srgbClr val="1F2023"/>
+                </a:solidFill>
+                <a:latin typeface="Times New Roman" panose="02020603050405020304" pitchFamily="18" charset="0"/>
+              </a:rPr>
+              <a:t>Q learning</a:t>
+            </a:r>
+          </a:p>
+          <a:p>
+            <a:r>
+              <a:rPr lang="en-US" sz="1200" dirty="0">
+                <a:solidFill>
+                  <a:srgbClr val="1F2023"/>
+                </a:solidFill>
+                <a:latin typeface="Times New Roman" panose="02020603050405020304" pitchFamily="18" charset="0"/>
+              </a:rPr>
+              <a:t>Q- table and values, Bellman equation</a:t>
+            </a:r>
+          </a:p>
+          <a:p>
+            <a:endParaRPr lang="en-US" sz="1200" dirty="0">
+              <a:solidFill>
+                <a:srgbClr val="1F2023"/>
+              </a:solidFill>
+              <a:latin typeface="Times New Roman" panose="02020603050405020304" pitchFamily="18" charset="0"/>
+            </a:endParaRPr>
           </a:p>
           <a:p>
             <a:endParaRPr lang="en-US" sz="1200" dirty="0">
@@ -6026,6 +6579,408 @@
     <p:extLst>
       <p:ext uri="{BB962C8B-B14F-4D97-AF65-F5344CB8AC3E}">
         <p14:creationId xmlns:p14="http://schemas.microsoft.com/office/powerpoint/2010/main" val="1000916281"/>
+      </p:ext>
+    </p:extLst>
+  </p:cSld>
+  <p:clrMapOvr>
+    <a:masterClrMapping/>
+  </p:clrMapOvr>
+</p:sld>
+</file>
+
+<file path=ppt/slides/slide9.xml><?xml version="1.0" encoding="utf-8"?>
+<p:sld xmlns:a="http://schemas.openxmlformats.org/drawingml/2006/main" xmlns:r="http://schemas.openxmlformats.org/officeDocument/2006/relationships" xmlns:p="http://schemas.openxmlformats.org/presentationml/2006/main">
+  <p:cSld>
+    <p:spTree>
+      <p:nvGrpSpPr>
+        <p:cNvPr id="1" name=""/>
+        <p:cNvGrpSpPr/>
+        <p:nvPr/>
+      </p:nvGrpSpPr>
+      <p:grpSpPr>
+        <a:xfrm>
+          <a:off x="0" y="0"/>
+          <a:ext cx="0" cy="0"/>
+          <a:chOff x="0" y="0"/>
+          <a:chExt cx="0" cy="0"/>
+        </a:xfrm>
+      </p:grpSpPr>
+      <p:pic>
+        <p:nvPicPr>
+          <p:cNvPr id="1026" name="Picture 2" descr="Electric Guitar PNG Image | Electric guitar, Guitar, Electricity">
+            <a:extLst>
+              <a:ext uri="{FF2B5EF4-FFF2-40B4-BE49-F238E27FC236}">
+                <a16:creationId xmlns:a16="http://schemas.microsoft.com/office/drawing/2014/main" id="{5F24F144-5546-37F2-2452-8F6E3DB8D574}"/>
+              </a:ext>
+            </a:extLst>
+          </p:cNvPr>
+          <p:cNvPicPr>
+            <a:picLocks noChangeAspect="1" noChangeArrowheads="1"/>
+          </p:cNvPicPr>
+          <p:nvPr/>
+        </p:nvPicPr>
+        <p:blipFill>
+          <a:blip r:embed="rId2">
+            <a:extLst>
+              <a:ext uri="{28A0092B-C50C-407E-A947-70E740481C1C}">
+                <a14:useLocalDpi xmlns:a14="http://schemas.microsoft.com/office/drawing/2010/main" val="0"/>
+              </a:ext>
+            </a:extLst>
+          </a:blip>
+          <a:srcRect/>
+          <a:stretch>
+            <a:fillRect/>
+          </a:stretch>
+        </p:blipFill>
+        <p:spPr bwMode="auto">
+          <a:xfrm>
+            <a:off x="3429000" y="4606730"/>
+            <a:ext cx="2308860" cy="2227623"/>
+          </a:xfrm>
+          <a:prstGeom prst="rect">
+            <a:avLst/>
+          </a:prstGeom>
+          <a:noFill/>
+          <a:extLst>
+            <a:ext uri="{909E8E84-426E-40DD-AFC4-6F175D3DCCD1}">
+              <a14:hiddenFill xmlns:a14="http://schemas.microsoft.com/office/drawing/2010/main">
+                <a:solidFill>
+                  <a:srgbClr val="FFFFFF"/>
+                </a:solidFill>
+              </a14:hiddenFill>
+            </a:ext>
+          </a:extLst>
+        </p:spPr>
+      </p:pic>
+      <p:pic>
+        <p:nvPicPr>
+          <p:cNvPr id="1034" name="Picture 10" descr="Oar PNG, Vector, PSD, and Clipart With Transparent Background for Free  Download | Pngtree">
+            <a:extLst>
+              <a:ext uri="{FF2B5EF4-FFF2-40B4-BE49-F238E27FC236}">
+                <a16:creationId xmlns:a16="http://schemas.microsoft.com/office/drawing/2014/main" id="{D0539908-32DF-8443-4D8C-F6DBBB0718B6}"/>
+              </a:ext>
+            </a:extLst>
+          </p:cNvPr>
+          <p:cNvPicPr>
+            <a:picLocks noChangeAspect="1" noChangeArrowheads="1"/>
+          </p:cNvPicPr>
+          <p:nvPr/>
+        </p:nvPicPr>
+        <p:blipFill>
+          <a:blip r:embed="rId3">
+            <a:extLst>
+              <a:ext uri="{28A0092B-C50C-407E-A947-70E740481C1C}">
+                <a14:useLocalDpi xmlns:a14="http://schemas.microsoft.com/office/drawing/2010/main" val="0"/>
+              </a:ext>
+            </a:extLst>
+          </a:blip>
+          <a:srcRect/>
+          <a:stretch>
+            <a:fillRect/>
+          </a:stretch>
+        </p:blipFill>
+        <p:spPr bwMode="auto">
+          <a:xfrm rot="20342442">
+            <a:off x="1421030" y="4026190"/>
+            <a:ext cx="3115084" cy="3115084"/>
+          </a:xfrm>
+          <a:prstGeom prst="rect">
+            <a:avLst/>
+          </a:prstGeom>
+          <a:noFill/>
+          <a:extLst>
+            <a:ext uri="{909E8E84-426E-40DD-AFC4-6F175D3DCCD1}">
+              <a14:hiddenFill xmlns:a14="http://schemas.microsoft.com/office/drawing/2010/main">
+                <a:solidFill>
+                  <a:srgbClr val="FFFFFF"/>
+                </a:solidFill>
+              </a14:hiddenFill>
+            </a:ext>
+          </a:extLst>
+        </p:spPr>
+      </p:pic>
+      <p:pic>
+        <p:nvPicPr>
+          <p:cNvPr id="1032" name="Picture 8" descr="Violin 1207324 PNG">
+            <a:extLst>
+              <a:ext uri="{FF2B5EF4-FFF2-40B4-BE49-F238E27FC236}">
+                <a16:creationId xmlns:a16="http://schemas.microsoft.com/office/drawing/2014/main" id="{CCBA2B95-4334-E20D-9B00-6B9901EA25E9}"/>
+              </a:ext>
+            </a:extLst>
+          </p:cNvPr>
+          <p:cNvPicPr>
+            <a:picLocks noChangeAspect="1" noChangeArrowheads="1"/>
+          </p:cNvPicPr>
+          <p:nvPr/>
+        </p:nvPicPr>
+        <p:blipFill rotWithShape="1">
+          <a:blip r:embed="rId4">
+            <a:extLst>
+              <a:ext uri="{28A0092B-C50C-407E-A947-70E740481C1C}">
+                <a14:useLocalDpi xmlns:a14="http://schemas.microsoft.com/office/drawing/2010/main" val="0"/>
+              </a:ext>
+            </a:extLst>
+          </a:blip>
+          <a:srcRect l="33681"/>
+          <a:stretch/>
+        </p:blipFill>
+        <p:spPr bwMode="auto">
+          <a:xfrm>
+            <a:off x="3211124" y="3988435"/>
+            <a:ext cx="1283692" cy="2901314"/>
+          </a:xfrm>
+          <a:prstGeom prst="trapezoid">
+            <a:avLst/>
+          </a:prstGeom>
+          <a:noFill/>
+          <a:extLst>
+            <a:ext uri="{909E8E84-426E-40DD-AFC4-6F175D3DCCD1}">
+              <a14:hiddenFill xmlns:a14="http://schemas.microsoft.com/office/drawing/2010/main">
+                <a:solidFill>
+                  <a:srgbClr val="FFFFFF"/>
+                </a:solidFill>
+              </a14:hiddenFill>
+            </a:ext>
+          </a:extLst>
+        </p:spPr>
+      </p:pic>
+      <p:pic>
+        <p:nvPicPr>
+          <p:cNvPr id="1038" name="Picture 14" descr="Drum PNG Clip Art​ | Gallery Yopriceville - High-Quality Free Images and  Transparent PNG Clipart">
+            <a:extLst>
+              <a:ext uri="{FF2B5EF4-FFF2-40B4-BE49-F238E27FC236}">
+                <a16:creationId xmlns:a16="http://schemas.microsoft.com/office/drawing/2014/main" id="{268959EA-009B-EE11-A775-F713EDDBF175}"/>
+              </a:ext>
+            </a:extLst>
+          </p:cNvPr>
+          <p:cNvPicPr>
+            <a:picLocks noChangeAspect="1" noChangeArrowheads="1"/>
+          </p:cNvPicPr>
+          <p:nvPr/>
+        </p:nvPicPr>
+        <p:blipFill>
+          <a:blip r:embed="rId5">
+            <a:extLst>
+              <a:ext uri="{28A0092B-C50C-407E-A947-70E740481C1C}">
+                <a14:useLocalDpi xmlns:a14="http://schemas.microsoft.com/office/drawing/2010/main" val="0"/>
+              </a:ext>
+            </a:extLst>
+          </a:blip>
+          <a:srcRect/>
+          <a:stretch>
+            <a:fillRect/>
+          </a:stretch>
+        </p:blipFill>
+        <p:spPr bwMode="auto">
+          <a:xfrm>
+            <a:off x="3192356" y="6834353"/>
+            <a:ext cx="1292461" cy="1438760"/>
+          </a:xfrm>
+          <a:prstGeom prst="rect">
+            <a:avLst/>
+          </a:prstGeom>
+          <a:noFill/>
+          <a:extLst>
+            <a:ext uri="{909E8E84-426E-40DD-AFC4-6F175D3DCCD1}">
+              <a14:hiddenFill xmlns:a14="http://schemas.microsoft.com/office/drawing/2010/main">
+                <a:solidFill>
+                  <a:srgbClr val="FFFFFF"/>
+                </a:solidFill>
+              </a14:hiddenFill>
+            </a:ext>
+          </a:extLst>
+        </p:spPr>
+      </p:pic>
+      <p:pic>
+        <p:nvPicPr>
+          <p:cNvPr id="1040" name="Picture 16" descr="Boxing gloves clipart design illustration 9400802 PNG">
+            <a:extLst>
+              <a:ext uri="{FF2B5EF4-FFF2-40B4-BE49-F238E27FC236}">
+                <a16:creationId xmlns:a16="http://schemas.microsoft.com/office/drawing/2014/main" id="{B56DC3EF-9B32-2773-216D-534AEDAA9C4F}"/>
+              </a:ext>
+            </a:extLst>
+          </p:cNvPr>
+          <p:cNvPicPr>
+            <a:picLocks noChangeAspect="1" noChangeArrowheads="1"/>
+          </p:cNvPicPr>
+          <p:nvPr/>
+        </p:nvPicPr>
+        <p:blipFill>
+          <a:blip r:embed="rId6">
+            <a:extLst>
+              <a:ext uri="{28A0092B-C50C-407E-A947-70E740481C1C}">
+                <a14:useLocalDpi xmlns:a14="http://schemas.microsoft.com/office/drawing/2010/main" val="0"/>
+              </a:ext>
+            </a:extLst>
+          </a:blip>
+          <a:srcRect/>
+          <a:stretch>
+            <a:fillRect/>
+          </a:stretch>
+        </p:blipFill>
+        <p:spPr bwMode="auto">
+          <a:xfrm rot="19247607">
+            <a:off x="2719259" y="6353116"/>
+            <a:ext cx="708609" cy="1100534"/>
+          </a:xfrm>
+          <a:prstGeom prst="rect">
+            <a:avLst/>
+          </a:prstGeom>
+          <a:noFill/>
+          <a:extLst>
+            <a:ext uri="{909E8E84-426E-40DD-AFC4-6F175D3DCCD1}">
+              <a14:hiddenFill xmlns:a14="http://schemas.microsoft.com/office/drawing/2010/main">
+                <a:solidFill>
+                  <a:srgbClr val="FFFFFF"/>
+                </a:solidFill>
+              </a14:hiddenFill>
+            </a:ext>
+          </a:extLst>
+        </p:spPr>
+      </p:pic>
+      <p:pic>
+        <p:nvPicPr>
+          <p:cNvPr id="6" name="Picture 16" descr="Boxing gloves clipart design illustration 9400802 PNG">
+            <a:extLst>
+              <a:ext uri="{FF2B5EF4-FFF2-40B4-BE49-F238E27FC236}">
+                <a16:creationId xmlns:a16="http://schemas.microsoft.com/office/drawing/2014/main" id="{B70DFD3D-C39F-111E-B840-EE001B4E427A}"/>
+              </a:ext>
+            </a:extLst>
+          </p:cNvPr>
+          <p:cNvPicPr>
+            <a:picLocks noChangeAspect="1" noChangeArrowheads="1"/>
+          </p:cNvPicPr>
+          <p:nvPr/>
+        </p:nvPicPr>
+        <p:blipFill>
+          <a:blip r:embed="rId6">
+            <a:extLst>
+              <a:ext uri="{28A0092B-C50C-407E-A947-70E740481C1C}">
+                <a14:useLocalDpi xmlns:a14="http://schemas.microsoft.com/office/drawing/2010/main" val="0"/>
+              </a:ext>
+            </a:extLst>
+          </a:blip>
+          <a:srcRect/>
+          <a:stretch>
+            <a:fillRect/>
+          </a:stretch>
+        </p:blipFill>
+        <p:spPr bwMode="auto">
+          <a:xfrm rot="2583525">
+            <a:off x="4159279" y="6258425"/>
+            <a:ext cx="708609" cy="1100534"/>
+          </a:xfrm>
+          <a:prstGeom prst="rect">
+            <a:avLst/>
+          </a:prstGeom>
+          <a:noFill/>
+          <a:extLst>
+            <a:ext uri="{909E8E84-426E-40DD-AFC4-6F175D3DCCD1}">
+              <a14:hiddenFill xmlns:a14="http://schemas.microsoft.com/office/drawing/2010/main">
+                <a:solidFill>
+                  <a:srgbClr val="FFFFFF"/>
+                </a:solidFill>
+              </a14:hiddenFill>
+            </a:ext>
+          </a:extLst>
+        </p:spPr>
+      </p:pic>
+      <p:pic>
+        <p:nvPicPr>
+          <p:cNvPr id="7" name="Picture 10" descr="Oar PNG, Vector, PSD, and Clipart With Transparent Background for Free  Download | Pngtree">
+            <a:extLst>
+              <a:ext uri="{FF2B5EF4-FFF2-40B4-BE49-F238E27FC236}">
+                <a16:creationId xmlns:a16="http://schemas.microsoft.com/office/drawing/2014/main" id="{4BA8236E-9C8E-FC6A-33F5-D5397286208A}"/>
+              </a:ext>
+            </a:extLst>
+          </p:cNvPr>
+          <p:cNvPicPr>
+            <a:picLocks noChangeAspect="1" noChangeArrowheads="1"/>
+          </p:cNvPicPr>
+          <p:nvPr/>
+        </p:nvPicPr>
+        <p:blipFill>
+          <a:blip r:embed="rId3">
+            <a:extLst>
+              <a:ext uri="{28A0092B-C50C-407E-A947-70E740481C1C}">
+                <a14:useLocalDpi xmlns:a14="http://schemas.microsoft.com/office/drawing/2010/main" val="0"/>
+              </a:ext>
+            </a:extLst>
+          </a:blip>
+          <a:srcRect/>
+          <a:stretch>
+            <a:fillRect/>
+          </a:stretch>
+        </p:blipFill>
+        <p:spPr bwMode="auto">
+          <a:xfrm rot="20342442">
+            <a:off x="1421444" y="4000590"/>
+            <a:ext cx="3115084" cy="3115084"/>
+          </a:xfrm>
+          <a:prstGeom prst="rect">
+            <a:avLst/>
+          </a:prstGeom>
+          <a:noFill/>
+          <a:extLst>
+            <a:ext uri="{909E8E84-426E-40DD-AFC4-6F175D3DCCD1}">
+              <a14:hiddenFill xmlns:a14="http://schemas.microsoft.com/office/drawing/2010/main">
+                <a:solidFill>
+                  <a:srgbClr val="FFFFFF"/>
+                </a:solidFill>
+              </a14:hiddenFill>
+            </a:ext>
+          </a:extLst>
+        </p:spPr>
+      </p:pic>
+      <p:pic>
+        <p:nvPicPr>
+          <p:cNvPr id="8" name="Picture 8" descr="Violin 1207324 PNG">
+            <a:extLst>
+              <a:ext uri="{FF2B5EF4-FFF2-40B4-BE49-F238E27FC236}">
+                <a16:creationId xmlns:a16="http://schemas.microsoft.com/office/drawing/2014/main" id="{AD58965E-6B0C-015E-F8BD-EDA512761F47}"/>
+              </a:ext>
+            </a:extLst>
+          </p:cNvPr>
+          <p:cNvPicPr>
+            <a:picLocks noChangeAspect="1" noChangeArrowheads="1"/>
+          </p:cNvPicPr>
+          <p:nvPr/>
+        </p:nvPicPr>
+        <p:blipFill rotWithShape="1">
+          <a:blip r:embed="rId4">
+            <a:extLst>
+              <a:ext uri="{28A0092B-C50C-407E-A947-70E740481C1C}">
+                <a14:useLocalDpi xmlns:a14="http://schemas.microsoft.com/office/drawing/2010/main" val="0"/>
+              </a:ext>
+            </a:extLst>
+          </a:blip>
+          <a:srcRect l="33681"/>
+          <a:stretch/>
+        </p:blipFill>
+        <p:spPr bwMode="auto">
+          <a:xfrm>
+            <a:off x="3211538" y="3962835"/>
+            <a:ext cx="1283692" cy="2901314"/>
+          </a:xfrm>
+          <a:prstGeom prst="trapezoid">
+            <a:avLst/>
+          </a:prstGeom>
+          <a:noFill/>
+          <a:extLst>
+            <a:ext uri="{909E8E84-426E-40DD-AFC4-6F175D3DCCD1}">
+              <a14:hiddenFill xmlns:a14="http://schemas.microsoft.com/office/drawing/2010/main">
+                <a:solidFill>
+                  <a:srgbClr val="FFFFFF"/>
+                </a:solidFill>
+              </a14:hiddenFill>
+            </a:ext>
+          </a:extLst>
+        </p:spPr>
+      </p:pic>
+    </p:spTree>
+    <p:extLst>
+      <p:ext uri="{BB962C8B-B14F-4D97-AF65-F5344CB8AC3E}">
+        <p14:creationId xmlns:p14="http://schemas.microsoft.com/office/powerpoint/2010/main" val="3145559606"/>
       </p:ext>
     </p:extLst>
   </p:cSld>
